--- a/restricted/slides9m.pptx
+++ b/restricted/slides9m.pptx
@@ -5292,1098 +5292,6 @@
           </a:p>
         </p:txBody>
       </p:sp>
-      <p:sp>
-        <p:nvSpPr>
-          <p:cNvPr id="4" name="Rectangle 4"/>
-          <p:cNvSpPr>
-            <a:spLocks noGrp="1" noChangeArrowheads="1"/>
-          </p:cNvSpPr>
-          <p:nvPr>
-            <p:ph type="dt" sz="half" idx="10"/>
-          </p:nvPr>
-        </p:nvSpPr>
-        <p:spPr>
-          <a:xfrm>
-            <a:off x="4267200" y="6629400"/>
-            <a:ext cx="1447800" cy="228600"/>
-          </a:xfrm>
-          <a:prstGeom prst="rect">
-            <a:avLst/>
-          </a:prstGeom>
-          <a:ln/>
-        </p:spPr>
-        <p:txBody>
-          <a:bodyPr/>
-          <a:lstStyle>
-            <a:lvl1pPr>
-              <a:defRPr/>
-            </a:lvl1pPr>
-          </a:lstStyle>
-          <a:p>
-            <a:pPr>
-              <a:defRPr/>
-            </a:pPr>
-            <a:r>
-              <a:rPr lang="en-US" dirty="0" smtClean="0"/>
-              <a:t>April 7, 2008</a:t>
-            </a:r>
-            <a:endParaRPr lang="en-US" dirty="0"/>
-          </a:p>
-        </p:txBody>
-      </p:sp>
-    </p:spTree>
-  </p:cSld>
-  <p:clrMapOvr>
-    <a:masterClrMapping/>
-  </p:clrMapOvr>
-</p:sldLayout>
-</file>
-
-<file path=ppt/slideLayouts/slideLayout10.xml><?xml version="1.0" encoding="utf-8"?>
-<p:sldLayout xmlns:a="http://schemas.openxmlformats.org/drawingml/2006/main" xmlns:r="http://schemas.openxmlformats.org/officeDocument/2006/relationships" xmlns:mc="http://schemas.openxmlformats.org/markup-compatibility/2006" xmlns:mv="urn:schemas-microsoft-com:mac:vml" xmlns:p="http://schemas.openxmlformats.org/presentationml/2006/main" mc:Ignorable="mv" mc:PreserveAttributes="mv:*" type="vertTx" preserve="1">
-  <p:cSld name="Title and Vertical Text">
-    <p:spTree>
-      <p:nvGrpSpPr>
-        <p:cNvPr id="1" name=""/>
-        <p:cNvGrpSpPr/>
-        <p:nvPr/>
-      </p:nvGrpSpPr>
-      <p:grpSpPr>
-        <a:xfrm>
-          <a:off x="0" y="0"/>
-          <a:ext cx="0" cy="0"/>
-          <a:chOff x="0" y="0"/>
-          <a:chExt cx="0" cy="0"/>
-        </a:xfrm>
-      </p:grpSpPr>
-      <p:sp>
-        <p:nvSpPr>
-          <p:cNvPr id="2" name="Title 1"/>
-          <p:cNvSpPr>
-            <a:spLocks noGrp="1"/>
-          </p:cNvSpPr>
-          <p:nvPr>
-            <p:ph type="title"/>
-          </p:nvPr>
-        </p:nvSpPr>
-        <p:spPr/>
-        <p:txBody>
-          <a:bodyPr/>
-          <a:lstStyle/>
-          <a:p>
-            <a:r>
-              <a:rPr lang="en-US" smtClean="0"/>
-              <a:t>Click to edit Master title style</a:t>
-            </a:r>
-            <a:endParaRPr lang="en-US"/>
-          </a:p>
-        </p:txBody>
-      </p:sp>
-      <p:sp>
-        <p:nvSpPr>
-          <p:cNvPr id="3" name="Vertical Text Placeholder 2"/>
-          <p:cNvSpPr>
-            <a:spLocks noGrp="1"/>
-          </p:cNvSpPr>
-          <p:nvPr>
-            <p:ph type="body" orient="vert" idx="1"/>
-          </p:nvPr>
-        </p:nvSpPr>
-        <p:spPr/>
-        <p:txBody>
-          <a:bodyPr vert="eaVert"/>
-          <a:lstStyle/>
-          <a:p>
-            <a:pPr lvl="0"/>
-            <a:r>
-              <a:rPr lang="en-US" smtClean="0"/>
-              <a:t>Click to edit Master text styles</a:t>
-            </a:r>
-          </a:p>
-          <a:p>
-            <a:pPr lvl="1"/>
-            <a:r>
-              <a:rPr lang="en-US" smtClean="0"/>
-              <a:t>Second level</a:t>
-            </a:r>
-          </a:p>
-          <a:p>
-            <a:pPr lvl="2"/>
-            <a:r>
-              <a:rPr lang="en-US" smtClean="0"/>
-              <a:t>Third level</a:t>
-            </a:r>
-          </a:p>
-          <a:p>
-            <a:pPr lvl="3"/>
-            <a:r>
-              <a:rPr lang="en-US" smtClean="0"/>
-              <a:t>Fourth level</a:t>
-            </a:r>
-          </a:p>
-          <a:p>
-            <a:pPr lvl="4"/>
-            <a:r>
-              <a:rPr lang="en-US" smtClean="0"/>
-              <a:t>Fifth level</a:t>
-            </a:r>
-            <a:endParaRPr lang="en-US"/>
-          </a:p>
-        </p:txBody>
-      </p:sp>
-      <p:sp>
-        <p:nvSpPr>
-          <p:cNvPr id="4" name="Rectangle 4"/>
-          <p:cNvSpPr>
-            <a:spLocks noGrp="1" noChangeArrowheads="1"/>
-          </p:cNvSpPr>
-          <p:nvPr>
-            <p:ph type="dt" sz="half" idx="10"/>
-          </p:nvPr>
-        </p:nvSpPr>
-        <p:spPr>
-          <a:xfrm>
-            <a:off x="4267200" y="6629400"/>
-            <a:ext cx="1447800" cy="228600"/>
-          </a:xfrm>
-          <a:prstGeom prst="rect">
-            <a:avLst/>
-          </a:prstGeom>
-          <a:ln/>
-        </p:spPr>
-        <p:txBody>
-          <a:bodyPr/>
-          <a:lstStyle>
-            <a:lvl1pPr>
-              <a:defRPr/>
-            </a:lvl1pPr>
-          </a:lstStyle>
-          <a:p>
-            <a:pPr>
-              <a:defRPr/>
-            </a:pPr>
-            <a:r>
-              <a:rPr lang="en-US" dirty="0" smtClean="0"/>
-              <a:t>April 7, 2008</a:t>
-            </a:r>
-            <a:endParaRPr lang="en-US" dirty="0"/>
-          </a:p>
-        </p:txBody>
-      </p:sp>
-      <p:sp>
-        <p:nvSpPr>
-          <p:cNvPr id="5" name="Rectangle 5"/>
-          <p:cNvSpPr>
-            <a:spLocks noGrp="1" noChangeArrowheads="1"/>
-          </p:cNvSpPr>
-          <p:nvPr>
-            <p:ph type="ftr" sz="quarter" idx="11"/>
-          </p:nvPr>
-        </p:nvSpPr>
-        <p:spPr>
-          <a:xfrm>
-            <a:off x="3505200" y="5181600"/>
-            <a:ext cx="2895600" cy="457200"/>
-          </a:xfrm>
-          <a:prstGeom prst="rect">
-            <a:avLst/>
-          </a:prstGeom>
-          <a:ln/>
-        </p:spPr>
-        <p:txBody>
-          <a:bodyPr/>
-          <a:lstStyle>
-            <a:lvl1pPr>
-              <a:defRPr/>
-            </a:lvl1pPr>
-          </a:lstStyle>
-          <a:p>
-            <a:pPr>
-              <a:defRPr/>
-            </a:pPr>
-            <a:endParaRPr lang="en-US"/>
-          </a:p>
-        </p:txBody>
-      </p:sp>
-    </p:spTree>
-  </p:cSld>
-  <p:clrMapOvr>
-    <a:masterClrMapping/>
-  </p:clrMapOvr>
-</p:sldLayout>
-</file>
-
-<file path=ppt/slideLayouts/slideLayout11.xml><?xml version="1.0" encoding="utf-8"?>
-<p:sldLayout xmlns:a="http://schemas.openxmlformats.org/drawingml/2006/main" xmlns:r="http://schemas.openxmlformats.org/officeDocument/2006/relationships" xmlns:mc="http://schemas.openxmlformats.org/markup-compatibility/2006" xmlns:mv="urn:schemas-microsoft-com:mac:vml" xmlns:p="http://schemas.openxmlformats.org/presentationml/2006/main" mc:Ignorable="mv" mc:PreserveAttributes="mv:*" type="vertTitleAndTx" preserve="1">
-  <p:cSld name="Vertical Title and Text">
-    <p:spTree>
-      <p:nvGrpSpPr>
-        <p:cNvPr id="1" name=""/>
-        <p:cNvGrpSpPr/>
-        <p:nvPr/>
-      </p:nvGrpSpPr>
-      <p:grpSpPr>
-        <a:xfrm>
-          <a:off x="0" y="0"/>
-          <a:ext cx="0" cy="0"/>
-          <a:chOff x="0" y="0"/>
-          <a:chExt cx="0" cy="0"/>
-        </a:xfrm>
-      </p:grpSpPr>
-      <p:sp>
-        <p:nvSpPr>
-          <p:cNvPr id="2" name="Vertical Title 1"/>
-          <p:cNvSpPr>
-            <a:spLocks noGrp="1"/>
-          </p:cNvSpPr>
-          <p:nvPr>
-            <p:ph type="title" orient="vert"/>
-          </p:nvPr>
-        </p:nvSpPr>
-        <p:spPr>
-          <a:xfrm>
-            <a:off x="6515100" y="152400"/>
-            <a:ext cx="1943100" cy="5943600"/>
-          </a:xfrm>
-        </p:spPr>
-        <p:txBody>
-          <a:bodyPr vert="eaVert"/>
-          <a:lstStyle/>
-          <a:p>
-            <a:r>
-              <a:rPr lang="en-US" smtClean="0"/>
-              <a:t>Click to edit Master title style</a:t>
-            </a:r>
-            <a:endParaRPr lang="en-US"/>
-          </a:p>
-        </p:txBody>
-      </p:sp>
-      <p:sp>
-        <p:nvSpPr>
-          <p:cNvPr id="3" name="Vertical Text Placeholder 2"/>
-          <p:cNvSpPr>
-            <a:spLocks noGrp="1"/>
-          </p:cNvSpPr>
-          <p:nvPr>
-            <p:ph type="body" orient="vert" idx="1"/>
-          </p:nvPr>
-        </p:nvSpPr>
-        <p:spPr>
-          <a:xfrm>
-            <a:off x="685800" y="152400"/>
-            <a:ext cx="5676900" cy="5943600"/>
-          </a:xfrm>
-        </p:spPr>
-        <p:txBody>
-          <a:bodyPr vert="eaVert"/>
-          <a:lstStyle/>
-          <a:p>
-            <a:pPr lvl="0"/>
-            <a:r>
-              <a:rPr lang="en-US" smtClean="0"/>
-              <a:t>Click to edit Master text styles</a:t>
-            </a:r>
-          </a:p>
-          <a:p>
-            <a:pPr lvl="1"/>
-            <a:r>
-              <a:rPr lang="en-US" smtClean="0"/>
-              <a:t>Second level</a:t>
-            </a:r>
-          </a:p>
-          <a:p>
-            <a:pPr lvl="2"/>
-            <a:r>
-              <a:rPr lang="en-US" smtClean="0"/>
-              <a:t>Third level</a:t>
-            </a:r>
-          </a:p>
-          <a:p>
-            <a:pPr lvl="3"/>
-            <a:r>
-              <a:rPr lang="en-US" smtClean="0"/>
-              <a:t>Fourth level</a:t>
-            </a:r>
-          </a:p>
-          <a:p>
-            <a:pPr lvl="4"/>
-            <a:r>
-              <a:rPr lang="en-US" smtClean="0"/>
-              <a:t>Fifth level</a:t>
-            </a:r>
-            <a:endParaRPr lang="en-US"/>
-          </a:p>
-        </p:txBody>
-      </p:sp>
-      <p:sp>
-        <p:nvSpPr>
-          <p:cNvPr id="4" name="Rectangle 4"/>
-          <p:cNvSpPr>
-            <a:spLocks noGrp="1" noChangeArrowheads="1"/>
-          </p:cNvSpPr>
-          <p:nvPr>
-            <p:ph type="dt" sz="half" idx="10"/>
-          </p:nvPr>
-        </p:nvSpPr>
-        <p:spPr>
-          <a:xfrm>
-            <a:off x="4267200" y="6629400"/>
-            <a:ext cx="1447800" cy="228600"/>
-          </a:xfrm>
-          <a:prstGeom prst="rect">
-            <a:avLst/>
-          </a:prstGeom>
-          <a:ln/>
-        </p:spPr>
-        <p:txBody>
-          <a:bodyPr/>
-          <a:lstStyle>
-            <a:lvl1pPr>
-              <a:defRPr/>
-            </a:lvl1pPr>
-          </a:lstStyle>
-          <a:p>
-            <a:pPr>
-              <a:defRPr/>
-            </a:pPr>
-            <a:r>
-              <a:rPr lang="en-US" dirty="0" smtClean="0"/>
-              <a:t>April 7, 2008</a:t>
-            </a:r>
-            <a:endParaRPr lang="en-US" dirty="0"/>
-          </a:p>
-        </p:txBody>
-      </p:sp>
-      <p:sp>
-        <p:nvSpPr>
-          <p:cNvPr id="5" name="Rectangle 5"/>
-          <p:cNvSpPr>
-            <a:spLocks noGrp="1" noChangeArrowheads="1"/>
-          </p:cNvSpPr>
-          <p:nvPr>
-            <p:ph type="ftr" sz="quarter" idx="11"/>
-          </p:nvPr>
-        </p:nvSpPr>
-        <p:spPr>
-          <a:xfrm>
-            <a:off x="3505200" y="5181600"/>
-            <a:ext cx="2895600" cy="457200"/>
-          </a:xfrm>
-          <a:prstGeom prst="rect">
-            <a:avLst/>
-          </a:prstGeom>
-          <a:ln/>
-        </p:spPr>
-        <p:txBody>
-          <a:bodyPr/>
-          <a:lstStyle>
-            <a:lvl1pPr>
-              <a:defRPr/>
-            </a:lvl1pPr>
-          </a:lstStyle>
-          <a:p>
-            <a:pPr>
-              <a:defRPr/>
-            </a:pPr>
-            <a:endParaRPr lang="en-US"/>
-          </a:p>
-        </p:txBody>
-      </p:sp>
-    </p:spTree>
-  </p:cSld>
-  <p:clrMapOvr>
-    <a:masterClrMapping/>
-  </p:clrMapOvr>
-</p:sldLayout>
-</file>
-
-<file path=ppt/slideLayouts/slideLayout12.xml><?xml version="1.0" encoding="utf-8"?>
-<p:sldLayout xmlns:a="http://schemas.openxmlformats.org/drawingml/2006/main" xmlns:r="http://schemas.openxmlformats.org/officeDocument/2006/relationships" xmlns:mc="http://schemas.openxmlformats.org/markup-compatibility/2006" xmlns:mv="urn:schemas-microsoft-com:mac:vml" xmlns:p="http://schemas.openxmlformats.org/presentationml/2006/main" mc:Ignorable="mv" mc:PreserveAttributes="mv:*" type="txAndTwoObj" preserve="1">
-  <p:cSld name="Title, Text, and 2 Content">
-    <p:spTree>
-      <p:nvGrpSpPr>
-        <p:cNvPr id="1" name=""/>
-        <p:cNvGrpSpPr/>
-        <p:nvPr/>
-      </p:nvGrpSpPr>
-      <p:grpSpPr>
-        <a:xfrm>
-          <a:off x="0" y="0"/>
-          <a:ext cx="0" cy="0"/>
-          <a:chOff x="0" y="0"/>
-          <a:chExt cx="0" cy="0"/>
-        </a:xfrm>
-      </p:grpSpPr>
-      <p:sp>
-        <p:nvSpPr>
-          <p:cNvPr id="2" name="Title 1"/>
-          <p:cNvSpPr>
-            <a:spLocks noGrp="1"/>
-          </p:cNvSpPr>
-          <p:nvPr>
-            <p:ph type="title"/>
-          </p:nvPr>
-        </p:nvSpPr>
-        <p:spPr>
-          <a:xfrm>
-            <a:off x="1143000" y="152400"/>
-            <a:ext cx="7239000" cy="914400"/>
-          </a:xfrm>
-        </p:spPr>
-        <p:txBody>
-          <a:bodyPr/>
-          <a:lstStyle/>
-          <a:p>
-            <a:r>
-              <a:rPr lang="en-US" smtClean="0"/>
-              <a:t>Click to edit Master title style</a:t>
-            </a:r>
-            <a:endParaRPr lang="en-US"/>
-          </a:p>
-        </p:txBody>
-      </p:sp>
-      <p:sp>
-        <p:nvSpPr>
-          <p:cNvPr id="3" name="Text Placeholder 2"/>
-          <p:cNvSpPr>
-            <a:spLocks noGrp="1"/>
-          </p:cNvSpPr>
-          <p:nvPr>
-            <p:ph type="body" sz="half" idx="1"/>
-          </p:nvPr>
-        </p:nvSpPr>
-        <p:spPr>
-          <a:xfrm>
-            <a:off x="685800" y="1981200"/>
-            <a:ext cx="3810000" cy="4114800"/>
-          </a:xfrm>
-        </p:spPr>
-        <p:txBody>
-          <a:bodyPr/>
-          <a:lstStyle/>
-          <a:p>
-            <a:pPr lvl="0"/>
-            <a:r>
-              <a:rPr lang="en-US" smtClean="0"/>
-              <a:t>Click to edit Master text styles</a:t>
-            </a:r>
-          </a:p>
-          <a:p>
-            <a:pPr lvl="1"/>
-            <a:r>
-              <a:rPr lang="en-US" smtClean="0"/>
-              <a:t>Second level</a:t>
-            </a:r>
-          </a:p>
-          <a:p>
-            <a:pPr lvl="2"/>
-            <a:r>
-              <a:rPr lang="en-US" smtClean="0"/>
-              <a:t>Third level</a:t>
-            </a:r>
-          </a:p>
-          <a:p>
-            <a:pPr lvl="3"/>
-            <a:r>
-              <a:rPr lang="en-US" smtClean="0"/>
-              <a:t>Fourth level</a:t>
-            </a:r>
-          </a:p>
-          <a:p>
-            <a:pPr lvl="4"/>
-            <a:r>
-              <a:rPr lang="en-US" smtClean="0"/>
-              <a:t>Fifth level</a:t>
-            </a:r>
-            <a:endParaRPr lang="en-US"/>
-          </a:p>
-        </p:txBody>
-      </p:sp>
-      <p:sp>
-        <p:nvSpPr>
-          <p:cNvPr id="4" name="Content Placeholder 3"/>
-          <p:cNvSpPr>
-            <a:spLocks noGrp="1"/>
-          </p:cNvSpPr>
-          <p:nvPr>
-            <p:ph sz="quarter" idx="2"/>
-          </p:nvPr>
-        </p:nvSpPr>
-        <p:spPr>
-          <a:xfrm>
-            <a:off x="4648200" y="1981200"/>
-            <a:ext cx="3810000" cy="1981200"/>
-          </a:xfrm>
-        </p:spPr>
-        <p:txBody>
-          <a:bodyPr/>
-          <a:lstStyle/>
-          <a:p>
-            <a:pPr lvl="0"/>
-            <a:r>
-              <a:rPr lang="en-US" smtClean="0"/>
-              <a:t>Click to edit Master text styles</a:t>
-            </a:r>
-          </a:p>
-          <a:p>
-            <a:pPr lvl="1"/>
-            <a:r>
-              <a:rPr lang="en-US" smtClean="0"/>
-              <a:t>Second level</a:t>
-            </a:r>
-          </a:p>
-          <a:p>
-            <a:pPr lvl="2"/>
-            <a:r>
-              <a:rPr lang="en-US" smtClean="0"/>
-              <a:t>Third level</a:t>
-            </a:r>
-          </a:p>
-          <a:p>
-            <a:pPr lvl="3"/>
-            <a:r>
-              <a:rPr lang="en-US" smtClean="0"/>
-              <a:t>Fourth level</a:t>
-            </a:r>
-          </a:p>
-          <a:p>
-            <a:pPr lvl="4"/>
-            <a:r>
-              <a:rPr lang="en-US" smtClean="0"/>
-              <a:t>Fifth level</a:t>
-            </a:r>
-            <a:endParaRPr lang="en-US"/>
-          </a:p>
-        </p:txBody>
-      </p:sp>
-      <p:sp>
-        <p:nvSpPr>
-          <p:cNvPr id="5" name="Content Placeholder 4"/>
-          <p:cNvSpPr>
-            <a:spLocks noGrp="1"/>
-          </p:cNvSpPr>
-          <p:nvPr>
-            <p:ph sz="quarter" idx="3"/>
-          </p:nvPr>
-        </p:nvSpPr>
-        <p:spPr>
-          <a:xfrm>
-            <a:off x="4648200" y="4114800"/>
-            <a:ext cx="3810000" cy="1981200"/>
-          </a:xfrm>
-        </p:spPr>
-        <p:txBody>
-          <a:bodyPr/>
-          <a:lstStyle/>
-          <a:p>
-            <a:pPr lvl="0"/>
-            <a:r>
-              <a:rPr lang="en-US" smtClean="0"/>
-              <a:t>Click to edit Master text styles</a:t>
-            </a:r>
-          </a:p>
-          <a:p>
-            <a:pPr lvl="1"/>
-            <a:r>
-              <a:rPr lang="en-US" smtClean="0"/>
-              <a:t>Second level</a:t>
-            </a:r>
-          </a:p>
-          <a:p>
-            <a:pPr lvl="2"/>
-            <a:r>
-              <a:rPr lang="en-US" smtClean="0"/>
-              <a:t>Third level</a:t>
-            </a:r>
-          </a:p>
-          <a:p>
-            <a:pPr lvl="3"/>
-            <a:r>
-              <a:rPr lang="en-US" smtClean="0"/>
-              <a:t>Fourth level</a:t>
-            </a:r>
-          </a:p>
-          <a:p>
-            <a:pPr lvl="4"/>
-            <a:r>
-              <a:rPr lang="en-US" smtClean="0"/>
-              <a:t>Fifth level</a:t>
-            </a:r>
-            <a:endParaRPr lang="en-US"/>
-          </a:p>
-        </p:txBody>
-      </p:sp>
-      <p:sp>
-        <p:nvSpPr>
-          <p:cNvPr id="6" name="Rectangle 4"/>
-          <p:cNvSpPr>
-            <a:spLocks noGrp="1" noChangeArrowheads="1"/>
-          </p:cNvSpPr>
-          <p:nvPr>
-            <p:ph type="dt" sz="half" idx="10"/>
-          </p:nvPr>
-        </p:nvSpPr>
-        <p:spPr>
-          <a:xfrm>
-            <a:off x="4267200" y="6629400"/>
-            <a:ext cx="1447800" cy="228600"/>
-          </a:xfrm>
-          <a:prstGeom prst="rect">
-            <a:avLst/>
-          </a:prstGeom>
-          <a:ln/>
-        </p:spPr>
-        <p:txBody>
-          <a:bodyPr/>
-          <a:lstStyle>
-            <a:lvl1pPr>
-              <a:defRPr/>
-            </a:lvl1pPr>
-          </a:lstStyle>
-          <a:p>
-            <a:pPr>
-              <a:defRPr/>
-            </a:pPr>
-            <a:r>
-              <a:rPr lang="en-US" dirty="0" smtClean="0"/>
-              <a:t>April 7, 2008</a:t>
-            </a:r>
-            <a:endParaRPr lang="en-US" dirty="0"/>
-          </a:p>
-        </p:txBody>
-      </p:sp>
-      <p:sp>
-        <p:nvSpPr>
-          <p:cNvPr id="7" name="Rectangle 5"/>
-          <p:cNvSpPr>
-            <a:spLocks noGrp="1" noChangeArrowheads="1"/>
-          </p:cNvSpPr>
-          <p:nvPr>
-            <p:ph type="ftr" sz="quarter" idx="11"/>
-          </p:nvPr>
-        </p:nvSpPr>
-        <p:spPr>
-          <a:xfrm>
-            <a:off x="3505200" y="5181600"/>
-            <a:ext cx="2895600" cy="457200"/>
-          </a:xfrm>
-          <a:prstGeom prst="rect">
-            <a:avLst/>
-          </a:prstGeom>
-          <a:ln/>
-        </p:spPr>
-        <p:txBody>
-          <a:bodyPr/>
-          <a:lstStyle>
-            <a:lvl1pPr>
-              <a:defRPr/>
-            </a:lvl1pPr>
-          </a:lstStyle>
-          <a:p>
-            <a:pPr>
-              <a:defRPr/>
-            </a:pPr>
-            <a:endParaRPr lang="en-US"/>
-          </a:p>
-        </p:txBody>
-      </p:sp>
-    </p:spTree>
-  </p:cSld>
-  <p:clrMapOvr>
-    <a:masterClrMapping/>
-  </p:clrMapOvr>
-</p:sldLayout>
-</file>
-
-<file path=ppt/slideLayouts/slideLayout13.xml><?xml version="1.0" encoding="utf-8"?>
-<p:sldLayout xmlns:a="http://schemas.openxmlformats.org/drawingml/2006/main" xmlns:r="http://schemas.openxmlformats.org/officeDocument/2006/relationships" xmlns:mc="http://schemas.openxmlformats.org/markup-compatibility/2006" xmlns:mv="urn:schemas-microsoft-com:mac:vml" xmlns:p="http://schemas.openxmlformats.org/presentationml/2006/main" mc:Ignorable="mv" mc:PreserveAttributes="mv:*" type="objOnly" preserve="1">
-  <p:cSld name="Content">
-    <p:spTree>
-      <p:nvGrpSpPr>
-        <p:cNvPr id="1" name=""/>
-        <p:cNvGrpSpPr/>
-        <p:nvPr/>
-      </p:nvGrpSpPr>
-      <p:grpSpPr>
-        <a:xfrm>
-          <a:off x="0" y="0"/>
-          <a:ext cx="0" cy="0"/>
-          <a:chOff x="0" y="0"/>
-          <a:chExt cx="0" cy="0"/>
-        </a:xfrm>
-      </p:grpSpPr>
-      <p:sp>
-        <p:nvSpPr>
-          <p:cNvPr id="2" name="Content Placeholder 1"/>
-          <p:cNvSpPr>
-            <a:spLocks noGrp="1"/>
-          </p:cNvSpPr>
-          <p:nvPr>
-            <p:ph/>
-          </p:nvPr>
-        </p:nvSpPr>
-        <p:spPr>
-          <a:xfrm>
-            <a:off x="685800" y="152400"/>
-            <a:ext cx="7772400" cy="5943600"/>
-          </a:xfrm>
-        </p:spPr>
-        <p:txBody>
-          <a:bodyPr/>
-          <a:lstStyle/>
-          <a:p>
-            <a:pPr lvl="0"/>
-            <a:r>
-              <a:rPr lang="en-US" smtClean="0"/>
-              <a:t>Click to edit Master text styles</a:t>
-            </a:r>
-          </a:p>
-          <a:p>
-            <a:pPr lvl="1"/>
-            <a:r>
-              <a:rPr lang="en-US" smtClean="0"/>
-              <a:t>Second level</a:t>
-            </a:r>
-          </a:p>
-          <a:p>
-            <a:pPr lvl="2"/>
-            <a:r>
-              <a:rPr lang="en-US" smtClean="0"/>
-              <a:t>Third level</a:t>
-            </a:r>
-          </a:p>
-          <a:p>
-            <a:pPr lvl="3"/>
-            <a:r>
-              <a:rPr lang="en-US" smtClean="0"/>
-              <a:t>Fourth level</a:t>
-            </a:r>
-          </a:p>
-          <a:p>
-            <a:pPr lvl="4"/>
-            <a:r>
-              <a:rPr lang="en-US" smtClean="0"/>
-              <a:t>Fifth level</a:t>
-            </a:r>
-            <a:endParaRPr lang="en-US"/>
-          </a:p>
-        </p:txBody>
-      </p:sp>
-      <p:sp>
-        <p:nvSpPr>
-          <p:cNvPr id="3" name="Rectangle 4"/>
-          <p:cNvSpPr>
-            <a:spLocks noGrp="1" noChangeArrowheads="1"/>
-          </p:cNvSpPr>
-          <p:nvPr>
-            <p:ph type="dt" sz="half" idx="10"/>
-          </p:nvPr>
-        </p:nvSpPr>
-        <p:spPr>
-          <a:xfrm>
-            <a:off x="4267200" y="6629400"/>
-            <a:ext cx="1447800" cy="228600"/>
-          </a:xfrm>
-          <a:prstGeom prst="rect">
-            <a:avLst/>
-          </a:prstGeom>
-          <a:ln/>
-        </p:spPr>
-        <p:txBody>
-          <a:bodyPr/>
-          <a:lstStyle>
-            <a:lvl1pPr>
-              <a:defRPr/>
-            </a:lvl1pPr>
-          </a:lstStyle>
-          <a:p>
-            <a:pPr>
-              <a:defRPr/>
-            </a:pPr>
-            <a:r>
-              <a:rPr lang="en-US" dirty="0" smtClean="0"/>
-              <a:t>April 7, 2008</a:t>
-            </a:r>
-            <a:endParaRPr lang="en-US" dirty="0"/>
-          </a:p>
-        </p:txBody>
-      </p:sp>
-      <p:sp>
-        <p:nvSpPr>
-          <p:cNvPr id="4" name="Rectangle 5"/>
-          <p:cNvSpPr>
-            <a:spLocks noGrp="1" noChangeArrowheads="1"/>
-          </p:cNvSpPr>
-          <p:nvPr>
-            <p:ph type="ftr" sz="quarter" idx="11"/>
-          </p:nvPr>
-        </p:nvSpPr>
-        <p:spPr>
-          <a:xfrm>
-            <a:off x="3505200" y="5181600"/>
-            <a:ext cx="2895600" cy="457200"/>
-          </a:xfrm>
-          <a:prstGeom prst="rect">
-            <a:avLst/>
-          </a:prstGeom>
-          <a:ln/>
-        </p:spPr>
-        <p:txBody>
-          <a:bodyPr/>
-          <a:lstStyle>
-            <a:lvl1pPr>
-              <a:defRPr/>
-            </a:lvl1pPr>
-          </a:lstStyle>
-          <a:p>
-            <a:pPr>
-              <a:defRPr/>
-            </a:pPr>
-            <a:endParaRPr lang="en-US"/>
-          </a:p>
-        </p:txBody>
-      </p:sp>
-    </p:spTree>
-  </p:cSld>
-  <p:clrMapOvr>
-    <a:masterClrMapping/>
-  </p:clrMapOvr>
-</p:sldLayout>
-</file>
-
-<file path=ppt/slideLayouts/slideLayout14.xml><?xml version="1.0" encoding="utf-8"?>
-<p:sldLayout xmlns:a="http://schemas.openxmlformats.org/drawingml/2006/main" xmlns:r="http://schemas.openxmlformats.org/officeDocument/2006/relationships" xmlns:mc="http://schemas.openxmlformats.org/markup-compatibility/2006" xmlns:mv="urn:schemas-microsoft-com:mac:vml" xmlns:p="http://schemas.openxmlformats.org/presentationml/2006/main" mc:Ignorable="mv" mc:PreserveAttributes="mv:*" type="txAndObj" preserve="1">
-  <p:cSld name="Title, Text, and Content">
-    <p:spTree>
-      <p:nvGrpSpPr>
-        <p:cNvPr id="1" name=""/>
-        <p:cNvGrpSpPr/>
-        <p:nvPr/>
-      </p:nvGrpSpPr>
-      <p:grpSpPr>
-        <a:xfrm>
-          <a:off x="0" y="0"/>
-          <a:ext cx="0" cy="0"/>
-          <a:chOff x="0" y="0"/>
-          <a:chExt cx="0" cy="0"/>
-        </a:xfrm>
-      </p:grpSpPr>
-      <p:sp>
-        <p:nvSpPr>
-          <p:cNvPr id="2" name="Title 1"/>
-          <p:cNvSpPr>
-            <a:spLocks noGrp="1"/>
-          </p:cNvSpPr>
-          <p:nvPr>
-            <p:ph type="title"/>
-          </p:nvPr>
-        </p:nvSpPr>
-        <p:spPr>
-          <a:xfrm>
-            <a:off x="1143000" y="152400"/>
-            <a:ext cx="7239000" cy="914400"/>
-          </a:xfrm>
-        </p:spPr>
-        <p:txBody>
-          <a:bodyPr/>
-          <a:lstStyle/>
-          <a:p>
-            <a:r>
-              <a:rPr lang="en-US" smtClean="0"/>
-              <a:t>Click to edit Master title style</a:t>
-            </a:r>
-            <a:endParaRPr lang="en-US"/>
-          </a:p>
-        </p:txBody>
-      </p:sp>
-      <p:sp>
-        <p:nvSpPr>
-          <p:cNvPr id="3" name="Text Placeholder 2"/>
-          <p:cNvSpPr>
-            <a:spLocks noGrp="1"/>
-          </p:cNvSpPr>
-          <p:nvPr>
-            <p:ph type="body" sz="half" idx="1"/>
-          </p:nvPr>
-        </p:nvSpPr>
-        <p:spPr>
-          <a:xfrm>
-            <a:off x="685800" y="1981200"/>
-            <a:ext cx="3810000" cy="4114800"/>
-          </a:xfrm>
-        </p:spPr>
-        <p:txBody>
-          <a:bodyPr/>
-          <a:lstStyle/>
-          <a:p>
-            <a:pPr lvl="0"/>
-            <a:r>
-              <a:rPr lang="en-US" smtClean="0"/>
-              <a:t>Click to edit Master text styles</a:t>
-            </a:r>
-          </a:p>
-          <a:p>
-            <a:pPr lvl="1"/>
-            <a:r>
-              <a:rPr lang="en-US" smtClean="0"/>
-              <a:t>Second level</a:t>
-            </a:r>
-          </a:p>
-          <a:p>
-            <a:pPr lvl="2"/>
-            <a:r>
-              <a:rPr lang="en-US" smtClean="0"/>
-              <a:t>Third level</a:t>
-            </a:r>
-          </a:p>
-          <a:p>
-            <a:pPr lvl="3"/>
-            <a:r>
-              <a:rPr lang="en-US" smtClean="0"/>
-              <a:t>Fourth level</a:t>
-            </a:r>
-          </a:p>
-          <a:p>
-            <a:pPr lvl="4"/>
-            <a:r>
-              <a:rPr lang="en-US" smtClean="0"/>
-              <a:t>Fifth level</a:t>
-            </a:r>
-            <a:endParaRPr lang="en-US"/>
-          </a:p>
-        </p:txBody>
-      </p:sp>
-      <p:sp>
-        <p:nvSpPr>
-          <p:cNvPr id="4" name="Content Placeholder 3"/>
-          <p:cNvSpPr>
-            <a:spLocks noGrp="1"/>
-          </p:cNvSpPr>
-          <p:nvPr>
-            <p:ph sz="half" idx="2"/>
-          </p:nvPr>
-        </p:nvSpPr>
-        <p:spPr>
-          <a:xfrm>
-            <a:off x="4648200" y="1981200"/>
-            <a:ext cx="3810000" cy="4114800"/>
-          </a:xfrm>
-        </p:spPr>
-        <p:txBody>
-          <a:bodyPr/>
-          <a:lstStyle/>
-          <a:p>
-            <a:pPr lvl="0"/>
-            <a:r>
-              <a:rPr lang="en-US" smtClean="0"/>
-              <a:t>Click to edit Master text styles</a:t>
-            </a:r>
-          </a:p>
-          <a:p>
-            <a:pPr lvl="1"/>
-            <a:r>
-              <a:rPr lang="en-US" smtClean="0"/>
-              <a:t>Second level</a:t>
-            </a:r>
-          </a:p>
-          <a:p>
-            <a:pPr lvl="2"/>
-            <a:r>
-              <a:rPr lang="en-US" smtClean="0"/>
-              <a:t>Third level</a:t>
-            </a:r>
-          </a:p>
-          <a:p>
-            <a:pPr lvl="3"/>
-            <a:r>
-              <a:rPr lang="en-US" smtClean="0"/>
-              <a:t>Fourth level</a:t>
-            </a:r>
-          </a:p>
-          <a:p>
-            <a:pPr lvl="4"/>
-            <a:r>
-              <a:rPr lang="en-US" smtClean="0"/>
-              <a:t>Fifth level</a:t>
-            </a:r>
-            <a:endParaRPr lang="en-US"/>
-          </a:p>
-        </p:txBody>
-      </p:sp>
-      <p:sp>
-        <p:nvSpPr>
-          <p:cNvPr id="5" name="Date Placeholder 4"/>
-          <p:cNvSpPr>
-            <a:spLocks noGrp="1" noChangeArrowheads="1"/>
-          </p:cNvSpPr>
-          <p:nvPr>
-            <p:ph type="dt" sz="half" idx="10"/>
-          </p:nvPr>
-        </p:nvSpPr>
-        <p:spPr>
-          <a:xfrm>
-            <a:off x="4267200" y="6629400"/>
-            <a:ext cx="1447800" cy="228600"/>
-          </a:xfrm>
-          <a:prstGeom prst="rect">
-            <a:avLst/>
-          </a:prstGeom>
-          <a:ln/>
-        </p:spPr>
-        <p:txBody>
-          <a:bodyPr/>
-          <a:lstStyle>
-            <a:lvl1pPr>
-              <a:defRPr/>
-            </a:lvl1pPr>
-          </a:lstStyle>
-          <a:p>
-            <a:pPr>
-              <a:defRPr/>
-            </a:pPr>
-            <a:r>
-              <a:rPr lang="en-US" dirty="0" smtClean="0"/>
-              <a:t>April 7, 2008</a:t>
-            </a:r>
-            <a:endParaRPr lang="en-US" dirty="0"/>
-          </a:p>
-        </p:txBody>
-      </p:sp>
-      <p:sp>
-        <p:nvSpPr>
-          <p:cNvPr id="6" name="Footer Placeholder 5"/>
-          <p:cNvSpPr>
-            <a:spLocks noGrp="1" noChangeArrowheads="1"/>
-          </p:cNvSpPr>
-          <p:nvPr>
-            <p:ph type="ftr" sz="quarter" idx="11"/>
-          </p:nvPr>
-        </p:nvSpPr>
-        <p:spPr>
-          <a:xfrm>
-            <a:off x="3505200" y="5181600"/>
-            <a:ext cx="2895600" cy="457200"/>
-          </a:xfrm>
-          <a:prstGeom prst="rect">
-            <a:avLst/>
-          </a:prstGeom>
-          <a:ln/>
-        </p:spPr>
-        <p:txBody>
-          <a:bodyPr/>
-          <a:lstStyle>
-            <a:lvl1pPr>
-              <a:defRPr/>
-            </a:lvl1pPr>
-          </a:lstStyle>
-          <a:p>
-            <a:pPr>
-              <a:defRPr/>
-            </a:pPr>
-            <a:endParaRPr lang="en-US"/>
-          </a:p>
-        </p:txBody>
-      </p:sp>
     </p:spTree>
   </p:cSld>
   <p:clrMapOvr>
@@ -6484,80 +5392,6 @@
           </a:p>
         </p:txBody>
       </p:sp>
-      <p:sp>
-        <p:nvSpPr>
-          <p:cNvPr id="4" name="Rectangle 4"/>
-          <p:cNvSpPr>
-            <a:spLocks noGrp="1" noChangeArrowheads="1"/>
-          </p:cNvSpPr>
-          <p:nvPr>
-            <p:ph type="dt" sz="half" idx="10"/>
-          </p:nvPr>
-        </p:nvSpPr>
-        <p:spPr>
-          <a:xfrm>
-            <a:off x="4267200" y="6629400"/>
-            <a:ext cx="1447800" cy="228600"/>
-          </a:xfrm>
-          <a:prstGeom prst="rect">
-            <a:avLst/>
-          </a:prstGeom>
-          <a:ln/>
-        </p:spPr>
-        <p:txBody>
-          <a:bodyPr/>
-          <a:lstStyle>
-            <a:lvl1pPr>
-              <a:defRPr/>
-            </a:lvl1pPr>
-          </a:lstStyle>
-          <a:p>
-            <a:pPr>
-              <a:defRPr/>
-            </a:pPr>
-            <a:r>
-              <a:rPr lang="en-US" dirty="0" smtClean="0"/>
-              <a:t>April 7, 2008</a:t>
-            </a:r>
-            <a:endParaRPr lang="en-US" dirty="0"/>
-          </a:p>
-        </p:txBody>
-      </p:sp>
-      <p:sp>
-        <p:nvSpPr>
-          <p:cNvPr id="5" name="Rectangle 5"/>
-          <p:cNvSpPr>
-            <a:spLocks noGrp="1" noChangeArrowheads="1"/>
-          </p:cNvSpPr>
-          <p:nvPr>
-            <p:ph type="ftr" sz="quarter" idx="11"/>
-          </p:nvPr>
-        </p:nvSpPr>
-        <p:spPr>
-          <a:xfrm>
-            <a:off x="3505200" y="5181600"/>
-            <a:ext cx="2895600" cy="457200"/>
-          </a:xfrm>
-          <a:prstGeom prst="rect">
-            <a:avLst/>
-          </a:prstGeom>
-          <a:ln/>
-        </p:spPr>
-        <p:txBody>
-          <a:bodyPr/>
-          <a:lstStyle>
-            <a:lvl1pPr>
-              <a:defRPr/>
-            </a:lvl1pPr>
-          </a:lstStyle>
-          <a:p>
-            <a:pPr>
-              <a:defRPr/>
-            </a:pPr>
-            <a:endParaRPr lang="en-US"/>
-          </a:p>
-        </p:txBody>
-      </p:sp>
     </p:spTree>
   </p:cSld>
   <p:clrMapOvr>
@@ -6595,7 +5429,7 @@
         </p:nvSpPr>
         <p:spPr>
           <a:xfrm>
-            <a:off x="722313" y="4406900"/>
+            <a:off x="685800" y="4114800"/>
             <a:ext cx="7772400" cy="1362075"/>
           </a:xfrm>
         </p:spPr>
@@ -6608,10 +5442,10 @@
           </a:lstStyle>
           <a:p>
             <a:r>
-              <a:rPr lang="en-US" smtClean="0"/>
+              <a:rPr lang="en-US" dirty="0" smtClean="0"/>
               <a:t>Click to edit Master title style</a:t>
             </a:r>
-            <a:endParaRPr lang="en-US"/>
+            <a:endParaRPr lang="en-US" dirty="0"/>
           </a:p>
         </p:txBody>
       </p:sp>
@@ -6627,7 +5461,7 @@
         </p:nvSpPr>
         <p:spPr>
           <a:xfrm>
-            <a:off x="722313" y="2906713"/>
+            <a:off x="685800" y="2362200"/>
             <a:ext cx="7772400" cy="1500187"/>
           </a:xfrm>
         </p:spPr>
@@ -6680,80 +5514,6 @@
           </a:p>
         </p:txBody>
       </p:sp>
-      <p:sp>
-        <p:nvSpPr>
-          <p:cNvPr id="4" name="Rectangle 4"/>
-          <p:cNvSpPr>
-            <a:spLocks noGrp="1" noChangeArrowheads="1"/>
-          </p:cNvSpPr>
-          <p:nvPr>
-            <p:ph type="dt" sz="half" idx="10"/>
-          </p:nvPr>
-        </p:nvSpPr>
-        <p:spPr>
-          <a:xfrm>
-            <a:off x="4267200" y="6629400"/>
-            <a:ext cx="1447800" cy="228600"/>
-          </a:xfrm>
-          <a:prstGeom prst="rect">
-            <a:avLst/>
-          </a:prstGeom>
-          <a:ln/>
-        </p:spPr>
-        <p:txBody>
-          <a:bodyPr/>
-          <a:lstStyle>
-            <a:lvl1pPr>
-              <a:defRPr/>
-            </a:lvl1pPr>
-          </a:lstStyle>
-          <a:p>
-            <a:pPr>
-              <a:defRPr/>
-            </a:pPr>
-            <a:r>
-              <a:rPr lang="en-US" dirty="0" smtClean="0"/>
-              <a:t>April 7, 2008</a:t>
-            </a:r>
-            <a:endParaRPr lang="en-US" dirty="0"/>
-          </a:p>
-        </p:txBody>
-      </p:sp>
-      <p:sp>
-        <p:nvSpPr>
-          <p:cNvPr id="5" name="Rectangle 5"/>
-          <p:cNvSpPr>
-            <a:spLocks noGrp="1" noChangeArrowheads="1"/>
-          </p:cNvSpPr>
-          <p:nvPr>
-            <p:ph type="ftr" sz="quarter" idx="11"/>
-          </p:nvPr>
-        </p:nvSpPr>
-        <p:spPr>
-          <a:xfrm>
-            <a:off x="3505200" y="5181600"/>
-            <a:ext cx="2895600" cy="457200"/>
-          </a:xfrm>
-          <a:prstGeom prst="rect">
-            <a:avLst/>
-          </a:prstGeom>
-          <a:ln/>
-        </p:spPr>
-        <p:txBody>
-          <a:bodyPr/>
-          <a:lstStyle>
-            <a:lvl1pPr>
-              <a:defRPr/>
-            </a:lvl1pPr>
-          </a:lstStyle>
-          <a:p>
-            <a:pPr>
-              <a:defRPr/>
-            </a:pPr>
-            <a:endParaRPr lang="en-US"/>
-          </a:p>
-        </p:txBody>
-      </p:sp>
     </p:spTree>
   </p:cSld>
   <p:clrMapOvr>
@@ -6763,729 +5523,6 @@
 </file>
 
 <file path=ppt/slideLayouts/slideLayout4.xml><?xml version="1.0" encoding="utf-8"?>
-<p:sldLayout xmlns:a="http://schemas.openxmlformats.org/drawingml/2006/main" xmlns:r="http://schemas.openxmlformats.org/officeDocument/2006/relationships" xmlns:mc="http://schemas.openxmlformats.org/markup-compatibility/2006" xmlns:mv="urn:schemas-microsoft-com:mac:vml" xmlns:p="http://schemas.openxmlformats.org/presentationml/2006/main" mc:Ignorable="mv" mc:PreserveAttributes="mv:*" type="twoObj" preserve="1">
-  <p:cSld name="Two Content">
-    <p:spTree>
-      <p:nvGrpSpPr>
-        <p:cNvPr id="1" name=""/>
-        <p:cNvGrpSpPr/>
-        <p:nvPr/>
-      </p:nvGrpSpPr>
-      <p:grpSpPr>
-        <a:xfrm>
-          <a:off x="0" y="0"/>
-          <a:ext cx="0" cy="0"/>
-          <a:chOff x="0" y="0"/>
-          <a:chExt cx="0" cy="0"/>
-        </a:xfrm>
-      </p:grpSpPr>
-      <p:sp>
-        <p:nvSpPr>
-          <p:cNvPr id="2" name="Title 1"/>
-          <p:cNvSpPr>
-            <a:spLocks noGrp="1"/>
-          </p:cNvSpPr>
-          <p:nvPr>
-            <p:ph type="title"/>
-          </p:nvPr>
-        </p:nvSpPr>
-        <p:spPr/>
-        <p:txBody>
-          <a:bodyPr/>
-          <a:lstStyle/>
-          <a:p>
-            <a:r>
-              <a:rPr lang="en-US" smtClean="0"/>
-              <a:t>Click to edit Master title style</a:t>
-            </a:r>
-            <a:endParaRPr lang="en-US"/>
-          </a:p>
-        </p:txBody>
-      </p:sp>
-      <p:sp>
-        <p:nvSpPr>
-          <p:cNvPr id="3" name="Content Placeholder 2"/>
-          <p:cNvSpPr>
-            <a:spLocks noGrp="1"/>
-          </p:cNvSpPr>
-          <p:nvPr>
-            <p:ph sz="half" idx="1"/>
-          </p:nvPr>
-        </p:nvSpPr>
-        <p:spPr>
-          <a:xfrm>
-            <a:off x="685800" y="1981200"/>
-            <a:ext cx="3810000" cy="4114800"/>
-          </a:xfrm>
-        </p:spPr>
-        <p:txBody>
-          <a:bodyPr/>
-          <a:lstStyle>
-            <a:lvl1pPr>
-              <a:defRPr sz="2800"/>
-            </a:lvl1pPr>
-            <a:lvl2pPr>
-              <a:defRPr sz="2400"/>
-            </a:lvl2pPr>
-            <a:lvl3pPr>
-              <a:defRPr sz="2000"/>
-            </a:lvl3pPr>
-            <a:lvl4pPr>
-              <a:defRPr sz="1800"/>
-            </a:lvl4pPr>
-            <a:lvl5pPr>
-              <a:defRPr sz="1800"/>
-            </a:lvl5pPr>
-            <a:lvl6pPr>
-              <a:defRPr sz="1800"/>
-            </a:lvl6pPr>
-            <a:lvl7pPr>
-              <a:defRPr sz="1800"/>
-            </a:lvl7pPr>
-            <a:lvl8pPr>
-              <a:defRPr sz="1800"/>
-            </a:lvl8pPr>
-            <a:lvl9pPr>
-              <a:defRPr sz="1800"/>
-            </a:lvl9pPr>
-          </a:lstStyle>
-          <a:p>
-            <a:pPr lvl="0"/>
-            <a:r>
-              <a:rPr lang="en-US" smtClean="0"/>
-              <a:t>Click to edit Master text styles</a:t>
-            </a:r>
-          </a:p>
-          <a:p>
-            <a:pPr lvl="1"/>
-            <a:r>
-              <a:rPr lang="en-US" smtClean="0"/>
-              <a:t>Second level</a:t>
-            </a:r>
-          </a:p>
-          <a:p>
-            <a:pPr lvl="2"/>
-            <a:r>
-              <a:rPr lang="en-US" smtClean="0"/>
-              <a:t>Third level</a:t>
-            </a:r>
-          </a:p>
-          <a:p>
-            <a:pPr lvl="3"/>
-            <a:r>
-              <a:rPr lang="en-US" smtClean="0"/>
-              <a:t>Fourth level</a:t>
-            </a:r>
-          </a:p>
-          <a:p>
-            <a:pPr lvl="4"/>
-            <a:r>
-              <a:rPr lang="en-US" smtClean="0"/>
-              <a:t>Fifth level</a:t>
-            </a:r>
-            <a:endParaRPr lang="en-US"/>
-          </a:p>
-        </p:txBody>
-      </p:sp>
-      <p:sp>
-        <p:nvSpPr>
-          <p:cNvPr id="4" name="Content Placeholder 3"/>
-          <p:cNvSpPr>
-            <a:spLocks noGrp="1"/>
-          </p:cNvSpPr>
-          <p:nvPr>
-            <p:ph sz="half" idx="2"/>
-          </p:nvPr>
-        </p:nvSpPr>
-        <p:spPr>
-          <a:xfrm>
-            <a:off x="4648200" y="1981200"/>
-            <a:ext cx="3810000" cy="4114800"/>
-          </a:xfrm>
-        </p:spPr>
-        <p:txBody>
-          <a:bodyPr/>
-          <a:lstStyle>
-            <a:lvl1pPr>
-              <a:defRPr sz="2800"/>
-            </a:lvl1pPr>
-            <a:lvl2pPr>
-              <a:defRPr sz="2400"/>
-            </a:lvl2pPr>
-            <a:lvl3pPr>
-              <a:defRPr sz="2000"/>
-            </a:lvl3pPr>
-            <a:lvl4pPr>
-              <a:defRPr sz="1800"/>
-            </a:lvl4pPr>
-            <a:lvl5pPr>
-              <a:defRPr sz="1800"/>
-            </a:lvl5pPr>
-            <a:lvl6pPr>
-              <a:defRPr sz="1800"/>
-            </a:lvl6pPr>
-            <a:lvl7pPr>
-              <a:defRPr sz="1800"/>
-            </a:lvl7pPr>
-            <a:lvl8pPr>
-              <a:defRPr sz="1800"/>
-            </a:lvl8pPr>
-            <a:lvl9pPr>
-              <a:defRPr sz="1800"/>
-            </a:lvl9pPr>
-          </a:lstStyle>
-          <a:p>
-            <a:pPr lvl="0"/>
-            <a:r>
-              <a:rPr lang="en-US" smtClean="0"/>
-              <a:t>Click to edit Master text styles</a:t>
-            </a:r>
-          </a:p>
-          <a:p>
-            <a:pPr lvl="1"/>
-            <a:r>
-              <a:rPr lang="en-US" smtClean="0"/>
-              <a:t>Second level</a:t>
-            </a:r>
-          </a:p>
-          <a:p>
-            <a:pPr lvl="2"/>
-            <a:r>
-              <a:rPr lang="en-US" smtClean="0"/>
-              <a:t>Third level</a:t>
-            </a:r>
-          </a:p>
-          <a:p>
-            <a:pPr lvl="3"/>
-            <a:r>
-              <a:rPr lang="en-US" smtClean="0"/>
-              <a:t>Fourth level</a:t>
-            </a:r>
-          </a:p>
-          <a:p>
-            <a:pPr lvl="4"/>
-            <a:r>
-              <a:rPr lang="en-US" smtClean="0"/>
-              <a:t>Fifth level</a:t>
-            </a:r>
-            <a:endParaRPr lang="en-US"/>
-          </a:p>
-        </p:txBody>
-      </p:sp>
-      <p:sp>
-        <p:nvSpPr>
-          <p:cNvPr id="5" name="Date Placeholder 4"/>
-          <p:cNvSpPr>
-            <a:spLocks noGrp="1" noChangeArrowheads="1"/>
-          </p:cNvSpPr>
-          <p:nvPr>
-            <p:ph type="dt" sz="half" idx="10"/>
-          </p:nvPr>
-        </p:nvSpPr>
-        <p:spPr>
-          <a:xfrm>
-            <a:off x="4267200" y="6629400"/>
-            <a:ext cx="1447800" cy="228600"/>
-          </a:xfrm>
-          <a:prstGeom prst="rect">
-            <a:avLst/>
-          </a:prstGeom>
-          <a:ln/>
-        </p:spPr>
-        <p:txBody>
-          <a:bodyPr/>
-          <a:lstStyle>
-            <a:lvl1pPr>
-              <a:defRPr/>
-            </a:lvl1pPr>
-          </a:lstStyle>
-          <a:p>
-            <a:pPr>
-              <a:defRPr/>
-            </a:pPr>
-            <a:r>
-              <a:rPr lang="en-US" dirty="0" smtClean="0"/>
-              <a:t>April 7, 2008</a:t>
-            </a:r>
-            <a:endParaRPr lang="en-US" dirty="0"/>
-          </a:p>
-        </p:txBody>
-      </p:sp>
-      <p:sp>
-        <p:nvSpPr>
-          <p:cNvPr id="6" name="Footer Placeholder 5"/>
-          <p:cNvSpPr>
-            <a:spLocks noGrp="1" noChangeArrowheads="1"/>
-          </p:cNvSpPr>
-          <p:nvPr>
-            <p:ph type="ftr" sz="quarter" idx="11"/>
-          </p:nvPr>
-        </p:nvSpPr>
-        <p:spPr>
-          <a:xfrm>
-            <a:off x="3505200" y="5181600"/>
-            <a:ext cx="2895600" cy="457200"/>
-          </a:xfrm>
-          <a:prstGeom prst="rect">
-            <a:avLst/>
-          </a:prstGeom>
-          <a:ln/>
-        </p:spPr>
-        <p:txBody>
-          <a:bodyPr/>
-          <a:lstStyle>
-            <a:lvl1pPr>
-              <a:defRPr/>
-            </a:lvl1pPr>
-          </a:lstStyle>
-          <a:p>
-            <a:pPr>
-              <a:defRPr/>
-            </a:pPr>
-            <a:endParaRPr lang="en-US"/>
-          </a:p>
-        </p:txBody>
-      </p:sp>
-    </p:spTree>
-  </p:cSld>
-  <p:clrMapOvr>
-    <a:masterClrMapping/>
-  </p:clrMapOvr>
-</p:sldLayout>
-</file>
-
-<file path=ppt/slideLayouts/slideLayout5.xml><?xml version="1.0" encoding="utf-8"?>
-<p:sldLayout xmlns:a="http://schemas.openxmlformats.org/drawingml/2006/main" xmlns:r="http://schemas.openxmlformats.org/officeDocument/2006/relationships" xmlns:mc="http://schemas.openxmlformats.org/markup-compatibility/2006" xmlns:mv="urn:schemas-microsoft-com:mac:vml" xmlns:p="http://schemas.openxmlformats.org/presentationml/2006/main" mc:Ignorable="mv" mc:PreserveAttributes="mv:*" type="twoTxTwoObj" preserve="1">
-  <p:cSld name="Comparison">
-    <p:spTree>
-      <p:nvGrpSpPr>
-        <p:cNvPr id="1" name=""/>
-        <p:cNvGrpSpPr/>
-        <p:nvPr/>
-      </p:nvGrpSpPr>
-      <p:grpSpPr>
-        <a:xfrm>
-          <a:off x="0" y="0"/>
-          <a:ext cx="0" cy="0"/>
-          <a:chOff x="0" y="0"/>
-          <a:chExt cx="0" cy="0"/>
-        </a:xfrm>
-      </p:grpSpPr>
-      <p:sp>
-        <p:nvSpPr>
-          <p:cNvPr id="2" name="Title 1"/>
-          <p:cNvSpPr>
-            <a:spLocks noGrp="1"/>
-          </p:cNvSpPr>
-          <p:nvPr>
-            <p:ph type="title"/>
-          </p:nvPr>
-        </p:nvSpPr>
-        <p:spPr>
-          <a:xfrm>
-            <a:off x="457200" y="274638"/>
-            <a:ext cx="8229600" cy="1143000"/>
-          </a:xfrm>
-        </p:spPr>
-        <p:txBody>
-          <a:bodyPr/>
-          <a:lstStyle>
-            <a:lvl1pPr>
-              <a:defRPr/>
-            </a:lvl1pPr>
-          </a:lstStyle>
-          <a:p>
-            <a:r>
-              <a:rPr lang="en-US" smtClean="0"/>
-              <a:t>Click to edit Master title style</a:t>
-            </a:r>
-            <a:endParaRPr lang="en-US"/>
-          </a:p>
-        </p:txBody>
-      </p:sp>
-      <p:sp>
-        <p:nvSpPr>
-          <p:cNvPr id="3" name="Text Placeholder 2"/>
-          <p:cNvSpPr>
-            <a:spLocks noGrp="1"/>
-          </p:cNvSpPr>
-          <p:nvPr>
-            <p:ph type="body" idx="1"/>
-          </p:nvPr>
-        </p:nvSpPr>
-        <p:spPr>
-          <a:xfrm>
-            <a:off x="457200" y="1535113"/>
-            <a:ext cx="4040188" cy="639762"/>
-          </a:xfrm>
-        </p:spPr>
-        <p:txBody>
-          <a:bodyPr anchor="b"/>
-          <a:lstStyle>
-            <a:lvl1pPr marL="0" indent="0">
-              <a:buNone/>
-              <a:defRPr sz="2400" b="1"/>
-            </a:lvl1pPr>
-            <a:lvl2pPr marL="457200" indent="0">
-              <a:buNone/>
-              <a:defRPr sz="2000" b="1"/>
-            </a:lvl2pPr>
-            <a:lvl3pPr marL="914400" indent="0">
-              <a:buNone/>
-              <a:defRPr sz="1800" b="1"/>
-            </a:lvl3pPr>
-            <a:lvl4pPr marL="1371600" indent="0">
-              <a:buNone/>
-              <a:defRPr sz="1600" b="1"/>
-            </a:lvl4pPr>
-            <a:lvl5pPr marL="1828800" indent="0">
-              <a:buNone/>
-              <a:defRPr sz="1600" b="1"/>
-            </a:lvl5pPr>
-            <a:lvl6pPr marL="2286000" indent="0">
-              <a:buNone/>
-              <a:defRPr sz="1600" b="1"/>
-            </a:lvl6pPr>
-            <a:lvl7pPr marL="2743200" indent="0">
-              <a:buNone/>
-              <a:defRPr sz="1600" b="1"/>
-            </a:lvl7pPr>
-            <a:lvl8pPr marL="3200400" indent="0">
-              <a:buNone/>
-              <a:defRPr sz="1600" b="1"/>
-            </a:lvl8pPr>
-            <a:lvl9pPr marL="3657600" indent="0">
-              <a:buNone/>
-              <a:defRPr sz="1600" b="1"/>
-            </a:lvl9pPr>
-          </a:lstStyle>
-          <a:p>
-            <a:pPr lvl="0"/>
-            <a:r>
-              <a:rPr lang="en-US" smtClean="0"/>
-              <a:t>Click to edit Master text styles</a:t>
-            </a:r>
-          </a:p>
-        </p:txBody>
-      </p:sp>
-      <p:sp>
-        <p:nvSpPr>
-          <p:cNvPr id="4" name="Content Placeholder 3"/>
-          <p:cNvSpPr>
-            <a:spLocks noGrp="1"/>
-          </p:cNvSpPr>
-          <p:nvPr>
-            <p:ph sz="half" idx="2"/>
-          </p:nvPr>
-        </p:nvSpPr>
-        <p:spPr>
-          <a:xfrm>
-            <a:off x="457200" y="2174875"/>
-            <a:ext cx="4040188" cy="3951288"/>
-          </a:xfrm>
-        </p:spPr>
-        <p:txBody>
-          <a:bodyPr/>
-          <a:lstStyle>
-            <a:lvl1pPr>
-              <a:defRPr sz="2400"/>
-            </a:lvl1pPr>
-            <a:lvl2pPr>
-              <a:defRPr sz="2000"/>
-            </a:lvl2pPr>
-            <a:lvl3pPr>
-              <a:defRPr sz="1800"/>
-            </a:lvl3pPr>
-            <a:lvl4pPr>
-              <a:defRPr sz="1600"/>
-            </a:lvl4pPr>
-            <a:lvl5pPr>
-              <a:defRPr sz="1600"/>
-            </a:lvl5pPr>
-            <a:lvl6pPr>
-              <a:defRPr sz="1600"/>
-            </a:lvl6pPr>
-            <a:lvl7pPr>
-              <a:defRPr sz="1600"/>
-            </a:lvl7pPr>
-            <a:lvl8pPr>
-              <a:defRPr sz="1600"/>
-            </a:lvl8pPr>
-            <a:lvl9pPr>
-              <a:defRPr sz="1600"/>
-            </a:lvl9pPr>
-          </a:lstStyle>
-          <a:p>
-            <a:pPr lvl="0"/>
-            <a:r>
-              <a:rPr lang="en-US" smtClean="0"/>
-              <a:t>Click to edit Master text styles</a:t>
-            </a:r>
-          </a:p>
-          <a:p>
-            <a:pPr lvl="1"/>
-            <a:r>
-              <a:rPr lang="en-US" smtClean="0"/>
-              <a:t>Second level</a:t>
-            </a:r>
-          </a:p>
-          <a:p>
-            <a:pPr lvl="2"/>
-            <a:r>
-              <a:rPr lang="en-US" smtClean="0"/>
-              <a:t>Third level</a:t>
-            </a:r>
-          </a:p>
-          <a:p>
-            <a:pPr lvl="3"/>
-            <a:r>
-              <a:rPr lang="en-US" smtClean="0"/>
-              <a:t>Fourth level</a:t>
-            </a:r>
-          </a:p>
-          <a:p>
-            <a:pPr lvl="4"/>
-            <a:r>
-              <a:rPr lang="en-US" smtClean="0"/>
-              <a:t>Fifth level</a:t>
-            </a:r>
-            <a:endParaRPr lang="en-US"/>
-          </a:p>
-        </p:txBody>
-      </p:sp>
-      <p:sp>
-        <p:nvSpPr>
-          <p:cNvPr id="5" name="Text Placeholder 4"/>
-          <p:cNvSpPr>
-            <a:spLocks noGrp="1"/>
-          </p:cNvSpPr>
-          <p:nvPr>
-            <p:ph type="body" sz="quarter" idx="3"/>
-          </p:nvPr>
-        </p:nvSpPr>
-        <p:spPr>
-          <a:xfrm>
-            <a:off x="4645025" y="1535113"/>
-            <a:ext cx="4041775" cy="639762"/>
-          </a:xfrm>
-        </p:spPr>
-        <p:txBody>
-          <a:bodyPr anchor="b"/>
-          <a:lstStyle>
-            <a:lvl1pPr marL="0" indent="0">
-              <a:buNone/>
-              <a:defRPr sz="2400" b="1"/>
-            </a:lvl1pPr>
-            <a:lvl2pPr marL="457200" indent="0">
-              <a:buNone/>
-              <a:defRPr sz="2000" b="1"/>
-            </a:lvl2pPr>
-            <a:lvl3pPr marL="914400" indent="0">
-              <a:buNone/>
-              <a:defRPr sz="1800" b="1"/>
-            </a:lvl3pPr>
-            <a:lvl4pPr marL="1371600" indent="0">
-              <a:buNone/>
-              <a:defRPr sz="1600" b="1"/>
-            </a:lvl4pPr>
-            <a:lvl5pPr marL="1828800" indent="0">
-              <a:buNone/>
-              <a:defRPr sz="1600" b="1"/>
-            </a:lvl5pPr>
-            <a:lvl6pPr marL="2286000" indent="0">
-              <a:buNone/>
-              <a:defRPr sz="1600" b="1"/>
-            </a:lvl6pPr>
-            <a:lvl7pPr marL="2743200" indent="0">
-              <a:buNone/>
-              <a:defRPr sz="1600" b="1"/>
-            </a:lvl7pPr>
-            <a:lvl8pPr marL="3200400" indent="0">
-              <a:buNone/>
-              <a:defRPr sz="1600" b="1"/>
-            </a:lvl8pPr>
-            <a:lvl9pPr marL="3657600" indent="0">
-              <a:buNone/>
-              <a:defRPr sz="1600" b="1"/>
-            </a:lvl9pPr>
-          </a:lstStyle>
-          <a:p>
-            <a:pPr lvl="0"/>
-            <a:r>
-              <a:rPr lang="en-US" smtClean="0"/>
-              <a:t>Click to edit Master text styles</a:t>
-            </a:r>
-          </a:p>
-        </p:txBody>
-      </p:sp>
-      <p:sp>
-        <p:nvSpPr>
-          <p:cNvPr id="6" name="Content Placeholder 5"/>
-          <p:cNvSpPr>
-            <a:spLocks noGrp="1"/>
-          </p:cNvSpPr>
-          <p:nvPr>
-            <p:ph sz="quarter" idx="4"/>
-          </p:nvPr>
-        </p:nvSpPr>
-        <p:spPr>
-          <a:xfrm>
-            <a:off x="4645025" y="2174875"/>
-            <a:ext cx="4041775" cy="3951288"/>
-          </a:xfrm>
-        </p:spPr>
-        <p:txBody>
-          <a:bodyPr/>
-          <a:lstStyle>
-            <a:lvl1pPr>
-              <a:defRPr sz="2400"/>
-            </a:lvl1pPr>
-            <a:lvl2pPr>
-              <a:defRPr sz="2000"/>
-            </a:lvl2pPr>
-            <a:lvl3pPr>
-              <a:defRPr sz="1800"/>
-            </a:lvl3pPr>
-            <a:lvl4pPr>
-              <a:defRPr sz="1600"/>
-            </a:lvl4pPr>
-            <a:lvl5pPr>
-              <a:defRPr sz="1600"/>
-            </a:lvl5pPr>
-            <a:lvl6pPr>
-              <a:defRPr sz="1600"/>
-            </a:lvl6pPr>
-            <a:lvl7pPr>
-              <a:defRPr sz="1600"/>
-            </a:lvl7pPr>
-            <a:lvl8pPr>
-              <a:defRPr sz="1600"/>
-            </a:lvl8pPr>
-            <a:lvl9pPr>
-              <a:defRPr sz="1600"/>
-            </a:lvl9pPr>
-          </a:lstStyle>
-          <a:p>
-            <a:pPr lvl="0"/>
-            <a:r>
-              <a:rPr lang="en-US" smtClean="0"/>
-              <a:t>Click to edit Master text styles</a:t>
-            </a:r>
-          </a:p>
-          <a:p>
-            <a:pPr lvl="1"/>
-            <a:r>
-              <a:rPr lang="en-US" smtClean="0"/>
-              <a:t>Second level</a:t>
-            </a:r>
-          </a:p>
-          <a:p>
-            <a:pPr lvl="2"/>
-            <a:r>
-              <a:rPr lang="en-US" smtClean="0"/>
-              <a:t>Third level</a:t>
-            </a:r>
-          </a:p>
-          <a:p>
-            <a:pPr lvl="3"/>
-            <a:r>
-              <a:rPr lang="en-US" smtClean="0"/>
-              <a:t>Fourth level</a:t>
-            </a:r>
-          </a:p>
-          <a:p>
-            <a:pPr lvl="4"/>
-            <a:r>
-              <a:rPr lang="en-US" smtClean="0"/>
-              <a:t>Fifth level</a:t>
-            </a:r>
-            <a:endParaRPr lang="en-US"/>
-          </a:p>
-        </p:txBody>
-      </p:sp>
-      <p:sp>
-        <p:nvSpPr>
-          <p:cNvPr id="7" name="Rectangle 4"/>
-          <p:cNvSpPr>
-            <a:spLocks noGrp="1" noChangeArrowheads="1"/>
-          </p:cNvSpPr>
-          <p:nvPr>
-            <p:ph type="dt" sz="half" idx="10"/>
-          </p:nvPr>
-        </p:nvSpPr>
-        <p:spPr>
-          <a:xfrm>
-            <a:off x="4267200" y="6629400"/>
-            <a:ext cx="1447800" cy="228600"/>
-          </a:xfrm>
-          <a:prstGeom prst="rect">
-            <a:avLst/>
-          </a:prstGeom>
-          <a:ln/>
-        </p:spPr>
-        <p:txBody>
-          <a:bodyPr/>
-          <a:lstStyle>
-            <a:lvl1pPr>
-              <a:defRPr/>
-            </a:lvl1pPr>
-          </a:lstStyle>
-          <a:p>
-            <a:pPr>
-              <a:defRPr/>
-            </a:pPr>
-            <a:r>
-              <a:rPr lang="en-US" dirty="0" smtClean="0"/>
-              <a:t>April 7, 2008</a:t>
-            </a:r>
-            <a:endParaRPr lang="en-US" dirty="0"/>
-          </a:p>
-        </p:txBody>
-      </p:sp>
-      <p:sp>
-        <p:nvSpPr>
-          <p:cNvPr id="8" name="Rectangle 5"/>
-          <p:cNvSpPr>
-            <a:spLocks noGrp="1" noChangeArrowheads="1"/>
-          </p:cNvSpPr>
-          <p:nvPr>
-            <p:ph type="ftr" sz="quarter" idx="11"/>
-          </p:nvPr>
-        </p:nvSpPr>
-        <p:spPr>
-          <a:xfrm>
-            <a:off x="3505200" y="5181600"/>
-            <a:ext cx="2895600" cy="457200"/>
-          </a:xfrm>
-          <a:prstGeom prst="rect">
-            <a:avLst/>
-          </a:prstGeom>
-          <a:ln/>
-        </p:spPr>
-        <p:txBody>
-          <a:bodyPr/>
-          <a:lstStyle>
-            <a:lvl1pPr>
-              <a:defRPr/>
-            </a:lvl1pPr>
-          </a:lstStyle>
-          <a:p>
-            <a:pPr>
-              <a:defRPr/>
-            </a:pPr>
-            <a:endParaRPr lang="en-US"/>
-          </a:p>
-        </p:txBody>
-      </p:sp>
-    </p:spTree>
-  </p:cSld>
-  <p:clrMapOvr>
-    <a:masterClrMapping/>
-  </p:clrMapOvr>
-</p:sldLayout>
-</file>
-
-<file path=ppt/slideLayouts/slideLayout6.xml><?xml version="1.0" encoding="utf-8"?>
 <p:sldLayout xmlns:a="http://schemas.openxmlformats.org/drawingml/2006/main" xmlns:r="http://schemas.openxmlformats.org/officeDocument/2006/relationships" xmlns:mc="http://schemas.openxmlformats.org/markup-compatibility/2006" xmlns:mv="urn:schemas-microsoft-com:mac:vml" xmlns:p="http://schemas.openxmlformats.org/presentationml/2006/main" mc:Ignorable="mv" mc:PreserveAttributes="mv:*" type="titleOnly" preserve="1">
   <p:cSld name="Title Only">
     <p:spTree>
@@ -7525,80 +5562,6 @@
           </a:p>
         </p:txBody>
       </p:sp>
-      <p:sp>
-        <p:nvSpPr>
-          <p:cNvPr id="3" name="Rectangle 4"/>
-          <p:cNvSpPr>
-            <a:spLocks noGrp="1" noChangeArrowheads="1"/>
-          </p:cNvSpPr>
-          <p:nvPr>
-            <p:ph type="dt" sz="half" idx="10"/>
-          </p:nvPr>
-        </p:nvSpPr>
-        <p:spPr>
-          <a:xfrm>
-            <a:off x="4267200" y="6629400"/>
-            <a:ext cx="1447800" cy="228600"/>
-          </a:xfrm>
-          <a:prstGeom prst="rect">
-            <a:avLst/>
-          </a:prstGeom>
-          <a:ln/>
-        </p:spPr>
-        <p:txBody>
-          <a:bodyPr/>
-          <a:lstStyle>
-            <a:lvl1pPr>
-              <a:defRPr/>
-            </a:lvl1pPr>
-          </a:lstStyle>
-          <a:p>
-            <a:pPr>
-              <a:defRPr/>
-            </a:pPr>
-            <a:r>
-              <a:rPr lang="en-US" dirty="0" smtClean="0"/>
-              <a:t>April 7, 2008</a:t>
-            </a:r>
-            <a:endParaRPr lang="en-US" dirty="0"/>
-          </a:p>
-        </p:txBody>
-      </p:sp>
-      <p:sp>
-        <p:nvSpPr>
-          <p:cNvPr id="4" name="Rectangle 5"/>
-          <p:cNvSpPr>
-            <a:spLocks noGrp="1" noChangeArrowheads="1"/>
-          </p:cNvSpPr>
-          <p:nvPr>
-            <p:ph type="ftr" sz="quarter" idx="11"/>
-          </p:nvPr>
-        </p:nvSpPr>
-        <p:spPr>
-          <a:xfrm>
-            <a:off x="3505200" y="5181600"/>
-            <a:ext cx="2895600" cy="457200"/>
-          </a:xfrm>
-          <a:prstGeom prst="rect">
-            <a:avLst/>
-          </a:prstGeom>
-          <a:ln/>
-        </p:spPr>
-        <p:txBody>
-          <a:bodyPr/>
-          <a:lstStyle>
-            <a:lvl1pPr>
-              <a:defRPr/>
-            </a:lvl1pPr>
-          </a:lstStyle>
-          <a:p>
-            <a:pPr>
-              <a:defRPr/>
-            </a:pPr>
-            <a:endParaRPr lang="en-US"/>
-          </a:p>
-        </p:txBody>
-      </p:sp>
     </p:spTree>
   </p:cSld>
   <p:clrMapOvr>
@@ -7607,7 +5570,7 @@
 </p:sldLayout>
 </file>
 
-<file path=ppt/slideLayouts/slideLayout7.xml><?xml version="1.0" encoding="utf-8"?>
+<file path=ppt/slideLayouts/slideLayout5.xml><?xml version="1.0" encoding="utf-8"?>
 <p:sldLayout xmlns:a="http://schemas.openxmlformats.org/drawingml/2006/main" xmlns:r="http://schemas.openxmlformats.org/officeDocument/2006/relationships" xmlns:mc="http://schemas.openxmlformats.org/markup-compatibility/2006" xmlns:mv="urn:schemas-microsoft-com:mac:vml" xmlns:p="http://schemas.openxmlformats.org/presentationml/2006/main" mc:Ignorable="mv" mc:PreserveAttributes="mv:*" type="blank" preserve="1">
   <p:cSld name="Blank">
     <p:spTree>
@@ -7624,80 +5587,6 @@
           <a:chExt cx="0" cy="0"/>
         </a:xfrm>
       </p:grpSpPr>
-      <p:sp>
-        <p:nvSpPr>
-          <p:cNvPr id="2" name="Rectangle 4"/>
-          <p:cNvSpPr>
-            <a:spLocks noGrp="1" noChangeArrowheads="1"/>
-          </p:cNvSpPr>
-          <p:nvPr>
-            <p:ph type="dt" sz="half" idx="10"/>
-          </p:nvPr>
-        </p:nvSpPr>
-        <p:spPr>
-          <a:xfrm>
-            <a:off x="4267200" y="6629400"/>
-            <a:ext cx="1447800" cy="228600"/>
-          </a:xfrm>
-          <a:prstGeom prst="rect">
-            <a:avLst/>
-          </a:prstGeom>
-          <a:ln/>
-        </p:spPr>
-        <p:txBody>
-          <a:bodyPr/>
-          <a:lstStyle>
-            <a:lvl1pPr>
-              <a:defRPr/>
-            </a:lvl1pPr>
-          </a:lstStyle>
-          <a:p>
-            <a:pPr>
-              <a:defRPr/>
-            </a:pPr>
-            <a:r>
-              <a:rPr lang="en-US" dirty="0" smtClean="0"/>
-              <a:t>April 7, 2008</a:t>
-            </a:r>
-            <a:endParaRPr lang="en-US" dirty="0"/>
-          </a:p>
-        </p:txBody>
-      </p:sp>
-      <p:sp>
-        <p:nvSpPr>
-          <p:cNvPr id="3" name="Rectangle 5"/>
-          <p:cNvSpPr>
-            <a:spLocks noGrp="1" noChangeArrowheads="1"/>
-          </p:cNvSpPr>
-          <p:nvPr>
-            <p:ph type="ftr" sz="quarter" idx="11"/>
-          </p:nvPr>
-        </p:nvSpPr>
-        <p:spPr>
-          <a:xfrm>
-            <a:off x="3505200" y="5181600"/>
-            <a:ext cx="2895600" cy="457200"/>
-          </a:xfrm>
-          <a:prstGeom prst="rect">
-            <a:avLst/>
-          </a:prstGeom>
-          <a:ln/>
-        </p:spPr>
-        <p:txBody>
-          <a:bodyPr/>
-          <a:lstStyle>
-            <a:lvl1pPr>
-              <a:defRPr/>
-            </a:lvl1pPr>
-          </a:lstStyle>
-          <a:p>
-            <a:pPr>
-              <a:defRPr/>
-            </a:pPr>
-            <a:endParaRPr lang="en-US"/>
-          </a:p>
-        </p:txBody>
-      </p:sp>
     </p:spTree>
   </p:cSld>
   <p:clrMapOvr>
@@ -7706,9 +5595,9 @@
 </p:sldLayout>
 </file>
 
-<file path=ppt/slideLayouts/slideLayout8.xml><?xml version="1.0" encoding="utf-8"?>
-<p:sldLayout xmlns:a="http://schemas.openxmlformats.org/drawingml/2006/main" xmlns:r="http://schemas.openxmlformats.org/officeDocument/2006/relationships" xmlns:mc="http://schemas.openxmlformats.org/markup-compatibility/2006" xmlns:mv="urn:schemas-microsoft-com:mac:vml" xmlns:p="http://schemas.openxmlformats.org/presentationml/2006/main" mc:Ignorable="mv" mc:PreserveAttributes="mv:*" type="objTx" preserve="1">
-  <p:cSld name="Content with Caption">
+<file path=ppt/slideLayouts/slideLayout6.xml><?xml version="1.0" encoding="utf-8"?>
+<p:sldLayout xmlns:a="http://schemas.openxmlformats.org/drawingml/2006/main" xmlns:r="http://schemas.openxmlformats.org/officeDocument/2006/relationships" xmlns:mc="http://schemas.openxmlformats.org/markup-compatibility/2006" xmlns:mv="urn:schemas-microsoft-com:mac:vml" xmlns:p="http://schemas.openxmlformats.org/presentationml/2006/main" mc:Ignorable="mv" mc:PreserveAttributes="mv:*" type="picTx" preserve="1">
+  <p:cSld name="Picture with Caption">
     <p:spTree>
       <p:nvGrpSpPr>
         <p:cNvPr id="1" name=""/>
@@ -7735,8 +5624,8 @@
         </p:nvSpPr>
         <p:spPr>
           <a:xfrm>
-            <a:off x="457200" y="273050"/>
-            <a:ext cx="3008313" cy="1162050"/>
+            <a:off x="1792288" y="4800600"/>
+            <a:ext cx="5486400" cy="566738"/>
           </a:xfrm>
         </p:spPr>
         <p:txBody>
@@ -7757,86 +5646,63 @@
       </p:sp>
       <p:sp>
         <p:nvSpPr>
-          <p:cNvPr id="3" name="Content Placeholder 2"/>
+          <p:cNvPr id="3" name="Picture Placeholder 2"/>
           <p:cNvSpPr>
             <a:spLocks noGrp="1"/>
           </p:cNvSpPr>
           <p:nvPr>
-            <p:ph idx="1"/>
+            <p:ph type="pic" idx="1"/>
           </p:nvPr>
         </p:nvSpPr>
         <p:spPr>
           <a:xfrm>
-            <a:off x="3575050" y="273050"/>
-            <a:ext cx="5111750" cy="5853113"/>
+            <a:off x="1792288" y="612775"/>
+            <a:ext cx="5486400" cy="4114800"/>
           </a:xfrm>
         </p:spPr>
         <p:txBody>
           <a:bodyPr/>
           <a:lstStyle>
-            <a:lvl1pPr>
+            <a:lvl1pPr marL="0" indent="0">
+              <a:buNone/>
               <a:defRPr sz="3200"/>
             </a:lvl1pPr>
-            <a:lvl2pPr>
+            <a:lvl2pPr marL="457200" indent="0">
+              <a:buNone/>
               <a:defRPr sz="2800"/>
             </a:lvl2pPr>
-            <a:lvl3pPr>
+            <a:lvl3pPr marL="914400" indent="0">
+              <a:buNone/>
               <a:defRPr sz="2400"/>
             </a:lvl3pPr>
-            <a:lvl4pPr>
+            <a:lvl4pPr marL="1371600" indent="0">
+              <a:buNone/>
               <a:defRPr sz="2000"/>
             </a:lvl4pPr>
-            <a:lvl5pPr>
+            <a:lvl5pPr marL="1828800" indent="0">
+              <a:buNone/>
               <a:defRPr sz="2000"/>
             </a:lvl5pPr>
-            <a:lvl6pPr>
+            <a:lvl6pPr marL="2286000" indent="0">
+              <a:buNone/>
               <a:defRPr sz="2000"/>
             </a:lvl6pPr>
-            <a:lvl7pPr>
+            <a:lvl7pPr marL="2743200" indent="0">
+              <a:buNone/>
               <a:defRPr sz="2000"/>
             </a:lvl7pPr>
-            <a:lvl8pPr>
+            <a:lvl8pPr marL="3200400" indent="0">
+              <a:buNone/>
               <a:defRPr sz="2000"/>
             </a:lvl8pPr>
-            <a:lvl9pPr>
+            <a:lvl9pPr marL="3657600" indent="0">
+              <a:buNone/>
               <a:defRPr sz="2000"/>
             </a:lvl9pPr>
           </a:lstStyle>
           <a:p>
             <a:pPr lvl="0"/>
-            <a:r>
-              <a:rPr lang="en-US" smtClean="0"/>
-              <a:t>Click to edit Master text styles</a:t>
-            </a:r>
-          </a:p>
-          <a:p>
-            <a:pPr lvl="1"/>
-            <a:r>
-              <a:rPr lang="en-US" smtClean="0"/>
-              <a:t>Second level</a:t>
-            </a:r>
-          </a:p>
-          <a:p>
-            <a:pPr lvl="2"/>
-            <a:r>
-              <a:rPr lang="en-US" smtClean="0"/>
-              <a:t>Third level</a:t>
-            </a:r>
-          </a:p>
-          <a:p>
-            <a:pPr lvl="3"/>
-            <a:r>
-              <a:rPr lang="en-US" smtClean="0"/>
-              <a:t>Fourth level</a:t>
-            </a:r>
-          </a:p>
-          <a:p>
-            <a:pPr lvl="4"/>
-            <a:r>
-              <a:rPr lang="en-US" smtClean="0"/>
-              <a:t>Fifth level</a:t>
-            </a:r>
-            <a:endParaRPr lang="en-US"/>
+            <a:endParaRPr lang="en-US" noProof="0" smtClean="0"/>
           </a:p>
         </p:txBody>
       </p:sp>
@@ -7852,8 +5718,8 @@
         </p:nvSpPr>
         <p:spPr>
           <a:xfrm>
-            <a:off x="457200" y="1435100"/>
-            <a:ext cx="3008313" cy="4691063"/>
+            <a:off x="1792288" y="5367338"/>
+            <a:ext cx="5486400" cy="804862"/>
           </a:xfrm>
         </p:spPr>
         <p:txBody>
@@ -7905,80 +5771,6 @@
           </a:p>
         </p:txBody>
       </p:sp>
-      <p:sp>
-        <p:nvSpPr>
-          <p:cNvPr id="5" name="Date Placeholder 4"/>
-          <p:cNvSpPr>
-            <a:spLocks noGrp="1" noChangeArrowheads="1"/>
-          </p:cNvSpPr>
-          <p:nvPr>
-            <p:ph type="dt" sz="half" idx="10"/>
-          </p:nvPr>
-        </p:nvSpPr>
-        <p:spPr>
-          <a:xfrm>
-            <a:off x="4267200" y="6629400"/>
-            <a:ext cx="1447800" cy="228600"/>
-          </a:xfrm>
-          <a:prstGeom prst="rect">
-            <a:avLst/>
-          </a:prstGeom>
-          <a:ln/>
-        </p:spPr>
-        <p:txBody>
-          <a:bodyPr/>
-          <a:lstStyle>
-            <a:lvl1pPr>
-              <a:defRPr/>
-            </a:lvl1pPr>
-          </a:lstStyle>
-          <a:p>
-            <a:pPr>
-              <a:defRPr/>
-            </a:pPr>
-            <a:r>
-              <a:rPr lang="en-US" dirty="0" smtClean="0"/>
-              <a:t>April 7, 2008</a:t>
-            </a:r>
-            <a:endParaRPr lang="en-US" dirty="0"/>
-          </a:p>
-        </p:txBody>
-      </p:sp>
-      <p:sp>
-        <p:nvSpPr>
-          <p:cNvPr id="6" name="Footer Placeholder 5"/>
-          <p:cNvSpPr>
-            <a:spLocks noGrp="1" noChangeArrowheads="1"/>
-          </p:cNvSpPr>
-          <p:nvPr>
-            <p:ph type="ftr" sz="quarter" idx="11"/>
-          </p:nvPr>
-        </p:nvSpPr>
-        <p:spPr>
-          <a:xfrm>
-            <a:off x="3505200" y="5181600"/>
-            <a:ext cx="2895600" cy="457200"/>
-          </a:xfrm>
-          <a:prstGeom prst="rect">
-            <a:avLst/>
-          </a:prstGeom>
-          <a:ln/>
-        </p:spPr>
-        <p:txBody>
-          <a:bodyPr/>
-          <a:lstStyle>
-            <a:lvl1pPr>
-              <a:defRPr/>
-            </a:lvl1pPr>
-          </a:lstStyle>
-          <a:p>
-            <a:pPr>
-              <a:defRPr/>
-            </a:pPr>
-            <a:endParaRPr lang="en-US"/>
-          </a:p>
-        </p:txBody>
-      </p:sp>
     </p:spTree>
   </p:cSld>
   <p:clrMapOvr>
@@ -7987,9 +5779,9 @@
 </p:sldLayout>
 </file>
 
-<file path=ppt/slideLayouts/slideLayout9.xml><?xml version="1.0" encoding="utf-8"?>
-<p:sldLayout xmlns:a="http://schemas.openxmlformats.org/drawingml/2006/main" xmlns:r="http://schemas.openxmlformats.org/officeDocument/2006/relationships" xmlns:mc="http://schemas.openxmlformats.org/markup-compatibility/2006" xmlns:mv="urn:schemas-microsoft-com:mac:vml" xmlns:p="http://schemas.openxmlformats.org/presentationml/2006/main" mc:Ignorable="mv" mc:PreserveAttributes="mv:*" type="picTx" preserve="1">
-  <p:cSld name="Picture with Caption">
+<file path=ppt/slideLayouts/slideLayout7.xml><?xml version="1.0" encoding="utf-8"?>
+<p:sldLayout xmlns:a="http://schemas.openxmlformats.org/drawingml/2006/main" xmlns:r="http://schemas.openxmlformats.org/officeDocument/2006/relationships" xmlns:mc="http://schemas.openxmlformats.org/markup-compatibility/2006" xmlns:mv="urn:schemas-microsoft-com:mac:vml" xmlns:p="http://schemas.openxmlformats.org/presentationml/2006/main" mc:Ignorable="mv" mc:PreserveAttributes="mv:*" type="txAndTwoObj" preserve="1">
+  <p:cSld name="Title, Text, and 2 Content">
     <p:spTree>
       <p:nvGrpSpPr>
         <p:cNvPr id="1" name=""/>
@@ -8016,18 +5808,394 @@
         </p:nvSpPr>
         <p:spPr>
           <a:xfrm>
-            <a:off x="1792288" y="4800600"/>
-            <a:ext cx="5486400" cy="566738"/>
+            <a:off x="1143000" y="152400"/>
+            <a:ext cx="7239000" cy="914400"/>
           </a:xfrm>
         </p:spPr>
         <p:txBody>
-          <a:bodyPr anchor="b"/>
+          <a:bodyPr/>
+          <a:lstStyle/>
+          <a:p>
+            <a:r>
+              <a:rPr lang="en-US" smtClean="0"/>
+              <a:t>Click to edit Master title style</a:t>
+            </a:r>
+            <a:endParaRPr lang="en-US"/>
+          </a:p>
+        </p:txBody>
+      </p:sp>
+      <p:sp>
+        <p:nvSpPr>
+          <p:cNvPr id="3" name="Text Placeholder 2"/>
+          <p:cNvSpPr>
+            <a:spLocks noGrp="1"/>
+          </p:cNvSpPr>
+          <p:nvPr>
+            <p:ph type="body" sz="half" idx="1"/>
+          </p:nvPr>
+        </p:nvSpPr>
+        <p:spPr>
+          <a:xfrm>
+            <a:off x="685800" y="1981200"/>
+            <a:ext cx="3810000" cy="4114800"/>
+          </a:xfrm>
+        </p:spPr>
+        <p:txBody>
+          <a:bodyPr/>
+          <a:lstStyle/>
+          <a:p>
+            <a:pPr lvl="0"/>
+            <a:r>
+              <a:rPr lang="en-US" smtClean="0"/>
+              <a:t>Click to edit Master text styles</a:t>
+            </a:r>
+          </a:p>
+          <a:p>
+            <a:pPr lvl="1"/>
+            <a:r>
+              <a:rPr lang="en-US" smtClean="0"/>
+              <a:t>Second level</a:t>
+            </a:r>
+          </a:p>
+          <a:p>
+            <a:pPr lvl="2"/>
+            <a:r>
+              <a:rPr lang="en-US" smtClean="0"/>
+              <a:t>Third level</a:t>
+            </a:r>
+          </a:p>
+          <a:p>
+            <a:pPr lvl="3"/>
+            <a:r>
+              <a:rPr lang="en-US" smtClean="0"/>
+              <a:t>Fourth level</a:t>
+            </a:r>
+          </a:p>
+          <a:p>
+            <a:pPr lvl="4"/>
+            <a:r>
+              <a:rPr lang="en-US" smtClean="0"/>
+              <a:t>Fifth level</a:t>
+            </a:r>
+            <a:endParaRPr lang="en-US"/>
+          </a:p>
+        </p:txBody>
+      </p:sp>
+      <p:sp>
+        <p:nvSpPr>
+          <p:cNvPr id="4" name="Content Placeholder 3"/>
+          <p:cNvSpPr>
+            <a:spLocks noGrp="1"/>
+          </p:cNvSpPr>
+          <p:nvPr>
+            <p:ph sz="quarter" idx="2"/>
+          </p:nvPr>
+        </p:nvSpPr>
+        <p:spPr>
+          <a:xfrm>
+            <a:off x="4648200" y="1981200"/>
+            <a:ext cx="3810000" cy="1981200"/>
+          </a:xfrm>
+        </p:spPr>
+        <p:txBody>
+          <a:bodyPr/>
+          <a:lstStyle/>
+          <a:p>
+            <a:pPr lvl="0"/>
+            <a:r>
+              <a:rPr lang="en-US" smtClean="0"/>
+              <a:t>Click to edit Master text styles</a:t>
+            </a:r>
+          </a:p>
+          <a:p>
+            <a:pPr lvl="1"/>
+            <a:r>
+              <a:rPr lang="en-US" smtClean="0"/>
+              <a:t>Second level</a:t>
+            </a:r>
+          </a:p>
+          <a:p>
+            <a:pPr lvl="2"/>
+            <a:r>
+              <a:rPr lang="en-US" smtClean="0"/>
+              <a:t>Third level</a:t>
+            </a:r>
+          </a:p>
+          <a:p>
+            <a:pPr lvl="3"/>
+            <a:r>
+              <a:rPr lang="en-US" smtClean="0"/>
+              <a:t>Fourth level</a:t>
+            </a:r>
+          </a:p>
+          <a:p>
+            <a:pPr lvl="4"/>
+            <a:r>
+              <a:rPr lang="en-US" smtClean="0"/>
+              <a:t>Fifth level</a:t>
+            </a:r>
+            <a:endParaRPr lang="en-US"/>
+          </a:p>
+        </p:txBody>
+      </p:sp>
+      <p:sp>
+        <p:nvSpPr>
+          <p:cNvPr id="5" name="Content Placeholder 4"/>
+          <p:cNvSpPr>
+            <a:spLocks noGrp="1"/>
+          </p:cNvSpPr>
+          <p:nvPr>
+            <p:ph sz="quarter" idx="3"/>
+          </p:nvPr>
+        </p:nvSpPr>
+        <p:spPr>
+          <a:xfrm>
+            <a:off x="4648200" y="4114800"/>
+            <a:ext cx="3810000" cy="1981200"/>
+          </a:xfrm>
+        </p:spPr>
+        <p:txBody>
+          <a:bodyPr/>
+          <a:lstStyle/>
+          <a:p>
+            <a:pPr lvl="0"/>
+            <a:r>
+              <a:rPr lang="en-US" smtClean="0"/>
+              <a:t>Click to edit Master text styles</a:t>
+            </a:r>
+          </a:p>
+          <a:p>
+            <a:pPr lvl="1"/>
+            <a:r>
+              <a:rPr lang="en-US" smtClean="0"/>
+              <a:t>Second level</a:t>
+            </a:r>
+          </a:p>
+          <a:p>
+            <a:pPr lvl="2"/>
+            <a:r>
+              <a:rPr lang="en-US" smtClean="0"/>
+              <a:t>Third level</a:t>
+            </a:r>
+          </a:p>
+          <a:p>
+            <a:pPr lvl="3"/>
+            <a:r>
+              <a:rPr lang="en-US" smtClean="0"/>
+              <a:t>Fourth level</a:t>
+            </a:r>
+          </a:p>
+          <a:p>
+            <a:pPr lvl="4"/>
+            <a:r>
+              <a:rPr lang="en-US" smtClean="0"/>
+              <a:t>Fifth level</a:t>
+            </a:r>
+            <a:endParaRPr lang="en-US"/>
+          </a:p>
+        </p:txBody>
+      </p:sp>
+      <p:sp>
+        <p:nvSpPr>
+          <p:cNvPr id="6" name="Rectangle 4"/>
+          <p:cNvSpPr>
+            <a:spLocks noGrp="1" noChangeArrowheads="1"/>
+          </p:cNvSpPr>
+          <p:nvPr>
+            <p:ph type="dt" sz="half" idx="10"/>
+          </p:nvPr>
+        </p:nvSpPr>
+        <p:spPr>
+          <a:xfrm>
+            <a:off x="4267200" y="6629400"/>
+            <a:ext cx="1447800" cy="228600"/>
+          </a:xfrm>
+          <a:prstGeom prst="rect">
+            <a:avLst/>
+          </a:prstGeom>
+          <a:ln/>
+        </p:spPr>
+        <p:txBody>
+          <a:bodyPr/>
           <a:lstStyle>
-            <a:lvl1pPr algn="l">
-              <a:defRPr sz="2000" b="1"/>
+            <a:lvl1pPr>
+              <a:defRPr/>
             </a:lvl1pPr>
           </a:lstStyle>
           <a:p>
+            <a:pPr>
+              <a:defRPr/>
+            </a:pPr>
+            <a:r>
+              <a:rPr lang="en-US" dirty="0" smtClean="0"/>
+              <a:t>April 7, 2008</a:t>
+            </a:r>
+            <a:endParaRPr lang="en-US" dirty="0"/>
+          </a:p>
+        </p:txBody>
+      </p:sp>
+      <p:sp>
+        <p:nvSpPr>
+          <p:cNvPr id="7" name="Rectangle 5"/>
+          <p:cNvSpPr>
+            <a:spLocks noGrp="1" noChangeArrowheads="1"/>
+          </p:cNvSpPr>
+          <p:nvPr>
+            <p:ph type="ftr" sz="quarter" idx="11"/>
+          </p:nvPr>
+        </p:nvSpPr>
+        <p:spPr>
+          <a:xfrm>
+            <a:off x="3505200" y="5181600"/>
+            <a:ext cx="2895600" cy="457200"/>
+          </a:xfrm>
+          <a:prstGeom prst="rect">
+            <a:avLst/>
+          </a:prstGeom>
+          <a:ln/>
+        </p:spPr>
+        <p:txBody>
+          <a:bodyPr/>
+          <a:lstStyle>
+            <a:lvl1pPr>
+              <a:defRPr/>
+            </a:lvl1pPr>
+          </a:lstStyle>
+          <a:p>
+            <a:pPr>
+              <a:defRPr/>
+            </a:pPr>
+            <a:endParaRPr lang="en-US"/>
+          </a:p>
+        </p:txBody>
+      </p:sp>
+    </p:spTree>
+  </p:cSld>
+  <p:clrMapOvr>
+    <a:masterClrMapping/>
+  </p:clrMapOvr>
+</p:sldLayout>
+</file>
+
+<file path=ppt/slideLayouts/slideLayout8.xml><?xml version="1.0" encoding="utf-8"?>
+<p:sldLayout xmlns:a="http://schemas.openxmlformats.org/drawingml/2006/main" xmlns:r="http://schemas.openxmlformats.org/officeDocument/2006/relationships" xmlns:mc="http://schemas.openxmlformats.org/markup-compatibility/2006" xmlns:mv="urn:schemas-microsoft-com:mac:vml" xmlns:p="http://schemas.openxmlformats.org/presentationml/2006/main" mc:Ignorable="mv" mc:PreserveAttributes="mv:*" type="objOnly" preserve="1">
+  <p:cSld name="Content">
+    <p:spTree>
+      <p:nvGrpSpPr>
+        <p:cNvPr id="1" name=""/>
+        <p:cNvGrpSpPr/>
+        <p:nvPr/>
+      </p:nvGrpSpPr>
+      <p:grpSpPr>
+        <a:xfrm>
+          <a:off x="0" y="0"/>
+          <a:ext cx="0" cy="0"/>
+          <a:chOff x="0" y="0"/>
+          <a:chExt cx="0" cy="0"/>
+        </a:xfrm>
+      </p:grpSpPr>
+      <p:sp>
+        <p:nvSpPr>
+          <p:cNvPr id="2" name="Content Placeholder 1"/>
+          <p:cNvSpPr>
+            <a:spLocks noGrp="1"/>
+          </p:cNvSpPr>
+          <p:nvPr>
+            <p:ph/>
+          </p:nvPr>
+        </p:nvSpPr>
+        <p:spPr>
+          <a:xfrm>
+            <a:off x="685800" y="152400"/>
+            <a:ext cx="7772400" cy="5943600"/>
+          </a:xfrm>
+        </p:spPr>
+        <p:txBody>
+          <a:bodyPr/>
+          <a:lstStyle/>
+          <a:p>
+            <a:pPr lvl="0"/>
+            <a:r>
+              <a:rPr lang="en-US" smtClean="0"/>
+              <a:t>Click to edit Master text styles</a:t>
+            </a:r>
+          </a:p>
+          <a:p>
+            <a:pPr lvl="1"/>
+            <a:r>
+              <a:rPr lang="en-US" smtClean="0"/>
+              <a:t>Second level</a:t>
+            </a:r>
+          </a:p>
+          <a:p>
+            <a:pPr lvl="2"/>
+            <a:r>
+              <a:rPr lang="en-US" smtClean="0"/>
+              <a:t>Third level</a:t>
+            </a:r>
+          </a:p>
+          <a:p>
+            <a:pPr lvl="3"/>
+            <a:r>
+              <a:rPr lang="en-US" smtClean="0"/>
+              <a:t>Fourth level</a:t>
+            </a:r>
+          </a:p>
+          <a:p>
+            <a:pPr lvl="4"/>
+            <a:r>
+              <a:rPr lang="en-US" smtClean="0"/>
+              <a:t>Fifth level</a:t>
+            </a:r>
+            <a:endParaRPr lang="en-US"/>
+          </a:p>
+        </p:txBody>
+      </p:sp>
+    </p:spTree>
+  </p:cSld>
+  <p:clrMapOvr>
+    <a:masterClrMapping/>
+  </p:clrMapOvr>
+</p:sldLayout>
+</file>
+
+<file path=ppt/slideLayouts/slideLayout9.xml><?xml version="1.0" encoding="utf-8"?>
+<p:sldLayout xmlns:a="http://schemas.openxmlformats.org/drawingml/2006/main" xmlns:r="http://schemas.openxmlformats.org/officeDocument/2006/relationships" xmlns:mc="http://schemas.openxmlformats.org/markup-compatibility/2006" xmlns:mv="urn:schemas-microsoft-com:mac:vml" xmlns:p="http://schemas.openxmlformats.org/presentationml/2006/main" mc:Ignorable="mv" mc:PreserveAttributes="mv:*" type="txAndObj" preserve="1">
+  <p:cSld name="Title, Text, and Content">
+    <p:spTree>
+      <p:nvGrpSpPr>
+        <p:cNvPr id="1" name=""/>
+        <p:cNvGrpSpPr/>
+        <p:nvPr/>
+      </p:nvGrpSpPr>
+      <p:grpSpPr>
+        <a:xfrm>
+          <a:off x="0" y="0"/>
+          <a:ext cx="0" cy="0"/>
+          <a:chOff x="0" y="0"/>
+          <a:chExt cx="0" cy="0"/>
+        </a:xfrm>
+      </p:grpSpPr>
+      <p:sp>
+        <p:nvSpPr>
+          <p:cNvPr id="2" name="Title 1"/>
+          <p:cNvSpPr>
+            <a:spLocks noGrp="1"/>
+          </p:cNvSpPr>
+          <p:nvPr>
+            <p:ph type="title"/>
+          </p:nvPr>
+        </p:nvSpPr>
+        <p:spPr>
+          <a:xfrm>
+            <a:off x="1143000" y="152400"/>
+            <a:ext cx="7239000" cy="914400"/>
+          </a:xfrm>
+        </p:spPr>
+        <p:txBody>
+          <a:bodyPr/>
+          <a:lstStyle/>
+          <a:p>
             <a:r>
               <a:rPr lang="en-US" smtClean="0"/>
               <a:t>Click to edit Master title style</a:t>
@@ -8038,128 +6206,115 @@
       </p:sp>
       <p:sp>
         <p:nvSpPr>
-          <p:cNvPr id="3" name="Picture Placeholder 2"/>
+          <p:cNvPr id="3" name="Text Placeholder 2"/>
           <p:cNvSpPr>
             <a:spLocks noGrp="1"/>
           </p:cNvSpPr>
           <p:nvPr>
-            <p:ph type="pic" idx="1"/>
+            <p:ph type="body" sz="half" idx="1"/>
           </p:nvPr>
         </p:nvSpPr>
         <p:spPr>
           <a:xfrm>
-            <a:off x="1792288" y="612775"/>
-            <a:ext cx="5486400" cy="4114800"/>
+            <a:off x="685800" y="1981200"/>
+            <a:ext cx="3810000" cy="4114800"/>
           </a:xfrm>
         </p:spPr>
         <p:txBody>
           <a:bodyPr/>
-          <a:lstStyle>
-            <a:lvl1pPr marL="0" indent="0">
-              <a:buNone/>
-              <a:defRPr sz="3200"/>
-            </a:lvl1pPr>
-            <a:lvl2pPr marL="457200" indent="0">
-              <a:buNone/>
-              <a:defRPr sz="2800"/>
-            </a:lvl2pPr>
-            <a:lvl3pPr marL="914400" indent="0">
-              <a:buNone/>
-              <a:defRPr sz="2400"/>
-            </a:lvl3pPr>
-            <a:lvl4pPr marL="1371600" indent="0">
-              <a:buNone/>
-              <a:defRPr sz="2000"/>
-            </a:lvl4pPr>
-            <a:lvl5pPr marL="1828800" indent="0">
-              <a:buNone/>
-              <a:defRPr sz="2000"/>
-            </a:lvl5pPr>
-            <a:lvl6pPr marL="2286000" indent="0">
-              <a:buNone/>
-              <a:defRPr sz="2000"/>
-            </a:lvl6pPr>
-            <a:lvl7pPr marL="2743200" indent="0">
-              <a:buNone/>
-              <a:defRPr sz="2000"/>
-            </a:lvl7pPr>
-            <a:lvl8pPr marL="3200400" indent="0">
-              <a:buNone/>
-              <a:defRPr sz="2000"/>
-            </a:lvl8pPr>
-            <a:lvl9pPr marL="3657600" indent="0">
-              <a:buNone/>
-              <a:defRPr sz="2000"/>
-            </a:lvl9pPr>
-          </a:lstStyle>
+          <a:lstStyle/>
           <a:p>
             <a:pPr lvl="0"/>
-            <a:endParaRPr lang="en-US" noProof="0" smtClean="0"/>
-          </a:p>
-        </p:txBody>
-      </p:sp>
-      <p:sp>
-        <p:nvSpPr>
-          <p:cNvPr id="4" name="Text Placeholder 3"/>
+            <a:r>
+              <a:rPr lang="en-US" smtClean="0"/>
+              <a:t>Click to edit Master text styles</a:t>
+            </a:r>
+          </a:p>
+          <a:p>
+            <a:pPr lvl="1"/>
+            <a:r>
+              <a:rPr lang="en-US" smtClean="0"/>
+              <a:t>Second level</a:t>
+            </a:r>
+          </a:p>
+          <a:p>
+            <a:pPr lvl="2"/>
+            <a:r>
+              <a:rPr lang="en-US" smtClean="0"/>
+              <a:t>Third level</a:t>
+            </a:r>
+          </a:p>
+          <a:p>
+            <a:pPr lvl="3"/>
+            <a:r>
+              <a:rPr lang="en-US" smtClean="0"/>
+              <a:t>Fourth level</a:t>
+            </a:r>
+          </a:p>
+          <a:p>
+            <a:pPr lvl="4"/>
+            <a:r>
+              <a:rPr lang="en-US" smtClean="0"/>
+              <a:t>Fifth level</a:t>
+            </a:r>
+            <a:endParaRPr lang="en-US"/>
+          </a:p>
+        </p:txBody>
+      </p:sp>
+      <p:sp>
+        <p:nvSpPr>
+          <p:cNvPr id="4" name="Content Placeholder 3"/>
           <p:cNvSpPr>
             <a:spLocks noGrp="1"/>
           </p:cNvSpPr>
           <p:nvPr>
-            <p:ph type="body" sz="half" idx="2"/>
+            <p:ph sz="half" idx="2"/>
           </p:nvPr>
         </p:nvSpPr>
         <p:spPr>
           <a:xfrm>
-            <a:off x="1792288" y="5367338"/>
-            <a:ext cx="5486400" cy="804862"/>
+            <a:off x="4648200" y="1981200"/>
+            <a:ext cx="3810000" cy="4114800"/>
           </a:xfrm>
         </p:spPr>
         <p:txBody>
           <a:bodyPr/>
-          <a:lstStyle>
-            <a:lvl1pPr marL="0" indent="0">
-              <a:buNone/>
-              <a:defRPr sz="1400"/>
-            </a:lvl1pPr>
-            <a:lvl2pPr marL="457200" indent="0">
-              <a:buNone/>
-              <a:defRPr sz="1200"/>
-            </a:lvl2pPr>
-            <a:lvl3pPr marL="914400" indent="0">
-              <a:buNone/>
-              <a:defRPr sz="1000"/>
-            </a:lvl3pPr>
-            <a:lvl4pPr marL="1371600" indent="0">
-              <a:buNone/>
-              <a:defRPr sz="900"/>
-            </a:lvl4pPr>
-            <a:lvl5pPr marL="1828800" indent="0">
-              <a:buNone/>
-              <a:defRPr sz="900"/>
-            </a:lvl5pPr>
-            <a:lvl6pPr marL="2286000" indent="0">
-              <a:buNone/>
-              <a:defRPr sz="900"/>
-            </a:lvl6pPr>
-            <a:lvl7pPr marL="2743200" indent="0">
-              <a:buNone/>
-              <a:defRPr sz="900"/>
-            </a:lvl7pPr>
-            <a:lvl8pPr marL="3200400" indent="0">
-              <a:buNone/>
-              <a:defRPr sz="900"/>
-            </a:lvl8pPr>
-            <a:lvl9pPr marL="3657600" indent="0">
-              <a:buNone/>
-              <a:defRPr sz="900"/>
-            </a:lvl9pPr>
-          </a:lstStyle>
+          <a:lstStyle/>
           <a:p>
             <a:pPr lvl="0"/>
             <a:r>
               <a:rPr lang="en-US" smtClean="0"/>
               <a:t>Click to edit Master text styles</a:t>
             </a:r>
+          </a:p>
+          <a:p>
+            <a:pPr lvl="1"/>
+            <a:r>
+              <a:rPr lang="en-US" smtClean="0"/>
+              <a:t>Second level</a:t>
+            </a:r>
+          </a:p>
+          <a:p>
+            <a:pPr lvl="2"/>
+            <a:r>
+              <a:rPr lang="en-US" smtClean="0"/>
+              <a:t>Third level</a:t>
+            </a:r>
+          </a:p>
+          <a:p>
+            <a:pPr lvl="3"/>
+            <a:r>
+              <a:rPr lang="en-US" smtClean="0"/>
+              <a:t>Fourth level</a:t>
+            </a:r>
+          </a:p>
+          <a:p>
+            <a:pPr lvl="4"/>
+            <a:r>
+              <a:rPr lang="en-US" smtClean="0"/>
+              <a:t>Fifth level</a:t>
+            </a:r>
+            <a:endParaRPr lang="en-US"/>
           </a:p>
         </p:txBody>
       </p:sp>
@@ -8435,7 +6590,7 @@
               <a:rPr lang="en-US" sz="1200" dirty="0" smtClean="0">
                 <a:latin typeface="Comic Sans MS" pitchFamily="66" charset="0"/>
               </a:rPr>
-              <a:t>9W.</a:t>
+              <a:t>9M.</a:t>
             </a:r>
             <a:fld id="{CE304688-B858-4773-B640-F1307E7715AE}" type="slidenum">
               <a:rPr lang="en-US" sz="1200" smtClean="0">
@@ -8461,7 +6616,7 @@
           <p:nvPr/>
         </p:nvPicPr>
         <p:blipFill>
-          <a:blip r:embed="rId16"/>
+          <a:blip r:embed="rId11"/>
           <a:srcRect/>
           <a:stretch>
             <a:fillRect/>
@@ -8535,7 +6690,22 @@
                 <a:uFillTx/>
                 <a:latin typeface="Comic Sans MS" pitchFamily="66" charset="0"/>
               </a:rPr>
-              <a:t>Albert R Meyer, November 4, 2009</a:t>
+              <a:t>Albert R Meyer</a:t>
+            </a:r>
+            <a:r>
+              <a:rPr kumimoji="0" lang="en-US" sz="1200" b="0" i="0" u="none" strike="noStrike" kern="1200" cap="none" spc="0" normalizeH="0" baseline="0" noProof="0" dirty="0" smtClean="0">
+                <a:ln>
+                  <a:noFill/>
+                </a:ln>
+                <a:solidFill>
+                  <a:schemeClr val="tx1"/>
+                </a:solidFill>
+                <a:effectLst/>
+                <a:uLnTx/>
+                <a:uFillTx/>
+                <a:latin typeface="Comic Sans MS" pitchFamily="66" charset="0"/>
+              </a:rPr>
+              <a:t>,             April 5, 2010</a:t>
             </a:r>
             <a:endParaRPr kumimoji="0" lang="en-US" sz="1200" b="0" i="0" u="none" strike="noStrike" kern="1200" cap="none" spc="0" normalizeH="0" baseline="0" noProof="0" dirty="0">
               <a:ln>
@@ -8561,7 +6731,7 @@
           <p:nvPr userDrawn="1"/>
         </p:nvPicPr>
         <p:blipFill>
-          <a:blip r:embed="rId17"/>
+          <a:blip r:embed="rId12"/>
           <a:stretch>
             <a:fillRect/>
           </a:stretch>
@@ -8583,17 +6753,12 @@
     <p:sldLayoutId id="2147483890" r:id="rId1"/>
     <p:sldLayoutId id="2147483891" r:id="rId2"/>
     <p:sldLayoutId id="2147483892" r:id="rId3"/>
-    <p:sldLayoutId id="2147483893" r:id="rId4"/>
-    <p:sldLayoutId id="2147483894" r:id="rId5"/>
-    <p:sldLayoutId id="2147483895" r:id="rId6"/>
-    <p:sldLayoutId id="2147483896" r:id="rId7"/>
-    <p:sldLayoutId id="2147483897" r:id="rId8"/>
-    <p:sldLayoutId id="2147483898" r:id="rId9"/>
-    <p:sldLayoutId id="2147483899" r:id="rId10"/>
-    <p:sldLayoutId id="2147483900" r:id="rId11"/>
-    <p:sldLayoutId id="2147483901" r:id="rId12"/>
-    <p:sldLayoutId id="2147483902" r:id="rId13"/>
-    <p:sldLayoutId id="2147483903" r:id="rId14"/>
+    <p:sldLayoutId id="2147483895" r:id="rId4"/>
+    <p:sldLayoutId id="2147483896" r:id="rId5"/>
+    <p:sldLayoutId id="2147483898" r:id="rId6"/>
+    <p:sldLayoutId id="2147483901" r:id="rId7"/>
+    <p:sldLayoutId id="2147483902" r:id="rId8"/>
+    <p:sldLayoutId id="2147483903" r:id="rId9"/>
   </p:sldLayoutIdLst>
   <p:timing>
     <p:tnLst>
@@ -26165,10 +24330,18 @@
             <a:spLocks noGrp="1"/>
           </p:cNvSpPr>
           <p:nvPr>
-            <p:ph type="dt" sz="half" idx="10"/>
+            <p:ph type="dt" sz="half" idx="4294967295"/>
           </p:nvPr>
         </p:nvSpPr>
-        <p:spPr/>
+        <p:spPr>
+          <a:xfrm>
+            <a:off x="4267200" y="6629400"/>
+            <a:ext cx="1447800" cy="228600"/>
+          </a:xfrm>
+          <a:prstGeom prst="rect">
+            <a:avLst/>
+          </a:prstGeom>
+        </p:spPr>
         <p:txBody>
           <a:bodyPr/>
           <a:lstStyle/>
@@ -27758,8 +25931,8 @@
           <a:p>
             <a:pPr algn="ctr" eaLnBrk="1" hangingPunct="1"/>
             <a:r>
-              <a:rPr lang="en-US" sz="12700" dirty="0" smtClean="0"/>
-              <a:t>1―2</a:t>
+              <a:rPr lang="en-US" sz="12700" smtClean="0"/>
+              <a:t>1―3</a:t>
             </a:r>
             <a:endParaRPr lang="en-US" sz="12700" dirty="0"/>
           </a:p>
